--- a/course4 Convolutional Neural Networks/week 1 Foundations of Convolutional Neural Networks/lecture/5_C4W1L05-StridedConv.pptx
+++ b/course4 Convolutional Neural Networks/week 1 Foundations of Convolutional Neural Networks/lecture/5_C4W1L05-StridedConv.pptx
@@ -148,7 +148,7 @@
   </inkml:definitions>
   <inkml:trace contextRef="#ctx0" brushRef="#br0">5045 12753 0,'-18'0'16,"36"0"15,17-18-15,0 18-16,-17-17 0,17 17 16,18-18-16,-18 0 0,1 18 15,-1-17-15,0 17 0,1 0 16,-1 0-16,0 0 0,-17 0 15,-1 0-15,-17 17 16,18 1-16,-18 0 0,0 17 16,0 18-16,0-18 0,0 18 15,-18 18-15,18-18 0,0-1 16,18 1-16,0-17 0,-1-1 16,1 0-16,0-17 0,-1 17 15,1-35-15,-1 18 16,19-18-1</inkml:trace>
   <inkml:trace contextRef="#ctx0" brushRef="#br0" timeOffset="190.4205">5327 13053 0,'35'0'15,"-70"0"-15,106 0 0,-36 0 0,0 0 0,0 0 16,18 0-16,-17 0 16,-1-18-16,35 18 15,-34 0-15,-19 0 0,19 0 16,-36-17-16</inkml:trace>
-  <inkml:trace contextRef="#ctx0" brushRef="#br0" timeOffset="419.0217">5909 12823 0,'18'18'16,"-18"0"-16,35-1 15,-17 1-15,-1 0 0,1-1 0,0 1 16,-1-18-16,1 18 15,-1-1-15,1-17 0,0 18 16,-1 0-16,1-1 16,0-17-16,-18-17 15</inkml:trace>
+  <inkml:trace contextRef="#ctx0" brushRef="#br0" timeOffset="419.0216">5909 12823 0,'18'18'16,"-18"0"-16,35-1 15,-17 1-15,-1 0 0,1-1 0,0 1 16,-1-18-16,1 18 15,-1-1-15,1-17 0,0 18 16,-1 0-16,1-1 16,0-17-16,-18-17 15</inkml:trace>
   <inkml:trace contextRef="#ctx0" brushRef="#br0" timeOffset="595.2777">6121 12823 0,'-36'53'15,"72"-106"-15,-107 124 0,54-36 0,17-17 16,-18 0-16,18-1 0,18 1 16,-1-18-16,1 0 15,-1 0-15</inkml:trace>
   <inkml:trace contextRef="#ctx0" brushRef="#br0" timeOffset="886.1383">6350 12682 0,'18'0'0,"-36"0"0,53-17 0,-17-1 16,35 0-16,-18 1 15,-17 17-15,17-18 0,0 1 16,1 17 0,-19 0-16,1 17 15,-18 36 1,18-35-16,-18 35 0,0-18 16,0 0-16,0 0 0,17 18 15,-17-17-15,18-19 0,-1 19 16,1-1-16,0-17 15,-1-1 1</inkml:trace>
   <inkml:trace contextRef="#ctx0" brushRef="#br0" timeOffset="1058.5976">6597 12947 0,'0'0'0,"35"0"0,1-18 16,-1 18-16,18-17 0,-18-1 16,71-35-1,-89 53-15</inkml:trace>
@@ -164,41 +164,41 @@
   <inkml:trace contextRef="#ctx0" brushRef="#br0" timeOffset="7845.1425">14746 12100 0,'18'0'32,"-1"18"-32,1 0 15</inkml:trace>
   <inkml:trace contextRef="#ctx0" brushRef="#br0" timeOffset="8276.4255">15117 12171 0,'-18'0'0,"0"17"16,1 1-16,-1 17 0,0-17 15,18 17-15,-17 1 16,17-1-16,17-17 0,-17 17 16,18-18-16,0 1 0,35 0 15,-18-18-15,-18 0 16,19-18-16,-19-17 0,19 17 16,-19-17-16,1 0 15,-18-18-15,0 17 0,0-17 16,-18 18-16,-17-88 15,17 70-15,1-18 0,-19 1 16,1 17-16,18 18 0,-19-1 16,19 19-16,17-1 0,-18 18 15,0 18-15,18 17 16,0 18-16,0 0 0,18 0 16,0 17-16,-1 1 0,19-18 15,16 70-15,-16-70 16,-19-18-16,19 18 0,-1-17 15,-17-19-15,17 1 0,-18-1 16,1 1-16,0-18 16</inkml:trace>
   <inkml:trace contextRef="#ctx0" brushRef="#br0" timeOffset="8828.4949">15522 12312 0,'18'18'15,"17"-18"1,36-18-1,-1-35 1,-52 35 0,0 1-16,-18-1 0,0-17 15,-18 35-15,-17-18 16,-1 18-16,19 0 0,-19 0 16,1 0-16,0 18 0,17-1 15,1 19-15,-1-19 0,18 19 16,0-1-16,18 0 0,17 1 15,-17-19-15,34 1 16,-16-1-16,70 1 16,-18-18-16,-53 0 15,0 0-15,-17-18 0,0 18 16,-36 0-16,0 0 16</inkml:trace>
-  <inkml:trace contextRef="#ctx0" brushRef="#br0" timeOffset="9612.8553">16545 12065 0,'18'0'32,"17"0"-17,0 18-15,-17-18 0,17 0 16,1 0-16,-1 17 0,-17-17 16,35 18-16,-36 0 15,-17-1 1,-17-17-16</inkml:trace>
-  <inkml:trace contextRef="#ctx0" brushRef="#br0" timeOffset="9749.8779">16633 12277 0,'0'17'0,"89"1"16,-19-18-1,-34 0-15,-1 0 0,35 0 31,-52 0-31</inkml:trace>
+  <inkml:trace contextRef="#ctx0" brushRef="#br0" timeOffset="9612.8552">16545 12065 0,'18'0'32,"17"0"-17,0 18-15,-17-18 0,17 0 16,1 0-16,-1 17 0,-17-17 16,35 18-16,-36 0 15,-17-1 1,-17-17-16</inkml:trace>
+  <inkml:trace contextRef="#ctx0" brushRef="#br0" timeOffset="9749.8778">16633 12277 0,'0'17'0,"89"1"16,-19-18-1,-34 0-15,-1 0 0,35 0 31,-52 0-31</inkml:trace>
   <inkml:trace contextRef="#ctx0" brushRef="#br0" timeOffset="10055.4998">17074 11889 0,'36'0'16,"17"17"-16,-142-34 0,213 34 0,-71 1 16,-18-18-16,18 18 0,0-1 15,-18 18-15,-17-17 0,0 17 16,-1 1-16,-17-1 0,0 18 16,-17 0-16,-19 0 15,1 0-15,0-18 0,17 18 0,-17-18 16,17-17-1,18 17-15,0-17 0,35-1 0,-17-17 16,35 0-16,0 18 16,-18-18-16,18 0 0,0-18 0,0 18 15,-18 0-15,0-17 16</inkml:trace>
   <inkml:trace contextRef="#ctx0" brushRef="#br0" timeOffset="26138.756">24959 6526 0,'0'0'0,"-18"-17"0,1-1 0,-1-17 16,0 17-16,-17 18 16,18-17-16,-1 17 0,-35 0 15,18 17-15,17 1 16,-17-1-16,17 19 0,1-1 15,-1 18-15,18-18 0,0 36 16,0-36 0,88 18-1,0-53 1,-52-18-16,-1 1 0,88-71 16,-105 52-1,0 1-15,-1-89 16,-34 72-1,-1 52-15,0 0 16,18 17-16,0 18 16,-17 1-16,17-1 0,0 18 15,0 0-15,17 0 16,-17-18-16,0 18 0,0-18 16,18 18-16,-18-18 0,18 18 15,-1-17-15,-17-1 0,18 0 16,-18 0-16,18-17 0,-18 0 15,17-1-15,1-17 0</inkml:trace>
-  <inkml:trace contextRef="#ctx0" brushRef="#br0" timeOffset="26327.2596">25312 6509 0,'0'70'16,"0"-140"-16,0 193 0,0-70 16,0 0-16,0 0 0,0 0 15,0 0-15,0 0 16,17 0-16,-17 0 0,18-18 16,0 0-16</inkml:trace>
+  <inkml:trace contextRef="#ctx0" brushRef="#br0" timeOffset="26327.2595">25312 6509 0,'0'70'16,"0"-140"-16,0 193 0,0-70 16,0 0-16,0 0 0,0 0 15,0 0-15,0 0 16,17 0-16,-17 0 0,18-18 16,0 0-16</inkml:trace>
   <inkml:trace contextRef="#ctx0" brushRef="#br0" timeOffset="47144.004">1799 3316 0,'-17'-18'15,"34"36"-15,-52-53 0,17 35 16,-17 17 0,17 1-1,18 0-15,-17-1 16,17 1-16,-18 17 0,18-17 15,0 17-15,0-17 0,0 0 16,18-18-16,-1 0 16,1 0-16,17 0 0,-17-18 0,17 0 15,-17-17-15,17 17 16,-17-17-16,-18 0 0,17-1 16,-17 1-16,0 0 0,0 17 15,-17 1-15,-1 17 16,0-18-16,1 18 0,-18 0 0,17 18 15,-17-18-15,17 17 0,0 1 16,1 0-16,-1-1 16,18 1-16,0 17 15,0 0-15,18-35 0,17 18 16,-17-18-16,17 0 0,0-18 16,-17 1-16,17-19 15,-17 19-15,-1-1 0,1-17 16,-18 17-16,0 1 0,-18-1 15,1 0 1,-1 18-16,0 0 0,1 0 16,-18 0-16,17 0 0,0 0 15,1 18-15,17 0 0,0-1 16,0 1-16,17 17 16,1-17-16,0-1 0,17-17 15,-18 0-15,19 0 0,-19 0 16,19-17-1,-19-1-15,-17 1 0,0-1 16,0 0-16,-17 18 16,-1-17-16,0-1 0,-17 0 15,17 18-15,-17 0 16,18 0-16,-19 0 0,19 18 0,-1 0 16,18 17-1,18-17-15,-1-1 16,1 1-16,17-18 0,-17 0 15,17 0-15,-17 0 0,-1-18 16,1 1-16,0 17 0,-1-18 16,-17 0-16,-17 1 15,-1 17-15,0 0 16,-17 0-16,17 0 0,1 0 16,-18 0-16,-1 35 15,19 18 1,17-36-16,0 1 0,17 17 0,1-17 15,0-18-15,-1 18 16,1-18-16,-1 0 0,1-18 16,0 18-16,-1-18 15,-17 1-15,0-1 0,-17 18 16,-1-18-16,0 1 16,1 17-16,-18 0 0,17 0 15,0 0-15,18 17 16,36-17-1,-19 0-15,54 0 16</inkml:trace>
   <inkml:trace contextRef="#ctx0" brushRef="#br0" timeOffset="48250.8229">4498 3281 0,'-18'0'16,"1"0"-1,-1 0-15,18 17 16,0 1 0,18 0-16,17 35 15,-17-36 1,17-17-16,-18 0 0,19-17 15,-19-1-15,1 0 16,-18-17-16,0 0 16,0 0-16,0-1 0,-18 19 15,1-19-15,-1 19 0,-17 17 16,17 0-16,1 17 0,-19 1 16,19 0-16,-1-1 15,-17 71 1,35-70-16,0 0 0,17-18 15,1 0-15,17 0 0,-17-18 16,17 0-16,-17 1 0,-1-1 16,1-17-16,-18 17 15,0 1-15,0-1 0,-18 0 16,-34 18 0,34 0-16,-17 18 0,17 0 15,-17 17-15,17-17 16,18 17-16,-18 18 0,18-18 0,18 0 15,0-17-15,17 0 16,-17-1-16,35-17 0,-18 0 16,0-17-16,0-1 15,1-17-15,-19 17 0,-17 0 16,-17 1-16,-1 17 0,0-18 16,-35 18-16,36 0 15,-1 18-15,1-18 0,17 17 16,17-17-1</inkml:trace>
   <inkml:trace contextRef="#ctx0" brushRef="#br0" timeOffset="49195.5839">1940 2981 0,'0'-18'15,"0"1"-15,0-19 16,18 1-1,52-18 17,-34 18-32,52-18 15,-35 18-15,53-36 16,-53 36-16,17 0 0,1-1 16,-1 19-16,-17-19 15,18 19-15,-1-1 0,1 18 16,-1-17-16,1 17 0,88 0 15,-1 0 1,-87 0-16,17 17 0,-17 1 16,-1-1-16,1 19 15,-18-1-15,17 0 0,-17-17 16,18 17-16,-18 0 0,-18 1 16,18-1-16,0 0 0,-18 1 15,0-1-15,1 0 0,-1 0 16,0 1-16,-17-19 0,0 19 15,-1-19-15,1 1 16,-1 0-16,1-1 16,-36-34 15,18-1-15</inkml:trace>
-  <inkml:trace contextRef="#ctx0" brushRef="#br0" timeOffset="49508.2456">3933 2858 0,'0'0'0,"0"17"16,0 1-16,18-1 0,0 1 15,52 53-15,-34-71 16,-1 17-16,0-17 16,0 18-16,1-18 0,-19 0 15,1-18-15,0 18 0,-1-17 16,1-1-16,0 18 0,-18-18 16,17-17-16,-17 17 15,18-17-15,-1-35 16,19 17-16,-19 17 0,1-17 15,17 18-15</inkml:trace>
-  <inkml:trace contextRef="#ctx0" brushRef="#br0" timeOffset="55345.4317">26070 6421 0,'0'17'31,"18"1"-31,-18 17 0,0 18 16,0 35-1,0-35-15,18 0 0,-18-18 16,35 36-16,-35-36 16,17-17-16,1-1 0,0 1 15,-1-18-15</inkml:trace>
+  <inkml:trace contextRef="#ctx0" brushRef="#br0" timeOffset="49508.2455">3933 2858 0,'0'0'0,"0"17"16,0 1-16,18-1 0,0 1 15,52 53-15,-34-71 16,-1 17-16,0-17 16,0 18-16,1-18 0,-19 0 15,1-18-15,0 18 0,-1-17 16,1-1-16,0 18 0,-18-18 16,17-17-16,-17 17 15,18-17-15,-1-35 16,19 17-16,-19 17 0,1-17 15,17 18-15</inkml:trace>
+  <inkml:trace contextRef="#ctx0" brushRef="#br0" timeOffset="55345.4316">26070 6421 0,'0'17'31,"18"1"-31,-18 17 0,0 18 16,0 35-1,0-35-15,18 0 0,-18-18 16,35 36-16,-35-36 16,17-17-16,1-1 0,0 1 15,-1-18-15</inkml:trace>
   <inkml:trace contextRef="#ctx0" brushRef="#br0" timeOffset="55648.0137">26335 6650 0,'0'0'16,"-18"18"-16,18-1 0,0 18 15,0 1-15,-17-19 0,17 19 16,35 17-16,-17-36 15,-1 1-15,18-1 0,-17-17 16,17 0-16,-17 0 0,17-17 16,-17-1-16,-18-17 15,18 17-15,-18-17 0,0 0 16,-18 17-16,18-17 0,-53-36 16,35 36-16,-17 17 15,17 1-15,1 17 0,-1 0 16,1 0-16,17 17 15,17 1-15,18 35 16,-17-35-16</inkml:trace>
-  <inkml:trace contextRef="#ctx0" brushRef="#br0" timeOffset="55917.7619">26688 6668 0,'0'0'0,"0"17"0,-18 18 0,18-17 16,0 17-16,0 1 16,0-1-16,35 18 15,-17-18-15,17-17 0,0-18 16,1 17-16,52-34 16,-17-54-1,-71 36 1,0-36-16,-18 54 15,-17-19-15,17 1 0,-17 18 16,-1-1-16,1 0 0,0 18 16,0 0-16,-1 18 0,19 0 15</inkml:trace>
+  <inkml:trace contextRef="#ctx0" brushRef="#br0" timeOffset="55917.7618">26688 6668 0,'0'0'0,"0"17"0,-18 18 0,18-17 16,0 17-16,0 1 16,0-1-16,35 18 15,-17-18-15,17-17 0,0-18 16,1 17-16,52-34 16,-17-54-1,-71 36 1,0-36-16,-18 54 15,-17-19-15,17 1 0,-17 18 16,-1-1-16,1 0 0,0 18 16,0 0-16,-1 18 0,19 0 15</inkml:trace>
   <inkml:trace contextRef="#ctx0" brushRef="#br0" timeOffset="65200.6883">27764 6615 0,'-18'-53'15,"36"106"-15,-54-124 0,19 71 0,-1-18 16,0 18-16,1 0 16,-18 0-16,17 0 0,0 0 15,18 18 1,0 0-16,0-1 0,0 19 16,0-19-16,18 36 15,0-18-15,17 54 16,0-54-16,-17 0 0,-1 0 15,1 1-15,0-19 0,-18 1 16,0 0-16,0-1 0,-18-17 16,0 0-1,1-17-15,-36-1 16,35 0-16,18 1 16,-17-1-16,17 0 0,17 1 15,36-18-15,-18-1 16,1 1-16,-19 17 0,19-17 15,-1-35 1,-18 52-16,-17-17 0,0 17 16,-17 0-16,-18 1 15,17-1-15,0 18 0,1 0 16,-1 0-16</inkml:trace>
-  <inkml:trace contextRef="#ctx0" brushRef="#br0" timeOffset="65552.9176">28063 6473 0,'0'0'16,"18"-17"0,17-1-1,1 18-15,-1 0 0,-17 0 16,-1 18-16,1-1 0,-18 19 15,0-1-15,0 0 16,-35 18 0,17 18-1,53-18 1,36-18 0,-18 0-16,53 18 15,-89-35-15,1-1 16,-18 1-16,0 0 0,-18-1 15,-17 1-15,-18 0 0,0-18 16,0 17-16,-17 1 0,17-18 16,-18 18-16,18-18 15,18 17-15,0-17 0</inkml:trace>
+  <inkml:trace contextRef="#ctx0" brushRef="#br0" timeOffset="65552.9175">28063 6473 0,'0'0'16,"18"-17"0,17-1-1,1 18-15,-1 0 0,-17 0 16,-1 18-16,1-1 0,-18 19 15,0-1-15,0 0 16,-35 18 0,17 18-1,53-18 1,36-18 0,-18 0-16,53 18 15,-89-35-15,1-1 16,-18 1-16,0 0 0,-18-1 15,-17 1-15,-18 0 0,0-18 16,0 17-16,-17 1 0,17-18 16,-18 18-16,18-18 15,18 17-15,0-17 0</inkml:trace>
   <inkml:trace contextRef="#ctx0" brushRef="#br0" timeOffset="76929.9886">1676 3351 0,'0'-17'32,"-18"17"-17,0 0 1,1 17 0,-1-17-16,1 18 15,-1 0-15,0-1 0,1 1 16,-1 17-16,-17 1 15,-54 87 1,72-70-16,-18 0 0,17 17 16,0-17-16,1 18 0,-1-1 15,18 1-15,-18 0 0,18-1 16,0 71-16,0-70 16,0 17-16,18-18 15,0 1-15,-18 0 16,35 17-16,-17-18 0,-1-17 0,1 18 15,-1-18-15,1 0 0,0-18 16,-1 18-16,1 0 16,0-18-16,-18 0 0,17 1 15,1-1-15,0 18 16,-18-18-16,0-17 0,17-1 16,-17 1-16,36 17 15,-1-17 1,-18 0-1,-17-1 1,-17-17 15,-1-17-15</inkml:trace>
   <inkml:trace contextRef="#ctx0" brushRef="#br0" timeOffset="77222.8103">1358 5468 0,'18'18'16,"-1"17"-16,1-17 0,17 17 15,-17 0-15,17 18 0,-17-18 16,0-17-16,-1 17 15,19-17-15,-19 0 0,1-1 16,-1-17-16,1-17 16,0-19-16,-18-34 15,0 34 1,17 1-16,-17-35 16,0 52-16,0 0 0,18 18 15</inkml:trace>
-  <inkml:trace contextRef="#ctx0" brushRef="#br0" timeOffset="78057.5675">1834 5786 0,'-17'-18'16,"34"36"-16,-52-36 0,18 18 0,-1 0 16,0 0-16,-35 70 15,53-52-15,-17 17 16,17 1-16,0-1 15,17-17-15,-17-1 0,18-17 16,17 18-16,-17-18 0,17 0 16,-17-18-16,17-17 0,-17 17 15,-1-35-15,1 18 16,-18 0-16,0-18 16,-18 35-16,1 1 0,-54-1 15,54 36-15,-19-18 16,1 17-16,17 1 0,1 0 15,-1 17-15,0-18 16,18 1-16,18 0 0,-18 17 16,18-35-16,-1 18 0,19-1 15,-19-17-15,19-17 0,-1-1 16,-18 0-16,1 1 0,0-19 16,-18 19-16,0-1 15,-18 18-15,0 18 16,-17 35-1,18-36-15,-1 19 16,18-19-16,-18 1 0,36 17 16,0-35-16,-1 0 15,1-17-15,-1 17 16,19-18-16,-19 0 0,1-17 16,-18 17-16,18 1 0,-18-1 15,-18 0-15,0 1 0,1 17 16,-1 0-16,-17 0 0,17 17 15,-17 1-15,17 0 16,1-1-16,-1-17 0,18 18 16,35-18-16,1-18 15,-1 1-15,0-19 16</inkml:trace>
+  <inkml:trace contextRef="#ctx0" brushRef="#br0" timeOffset="78057.5674">1834 5786 0,'-17'-18'16,"34"36"-16,-52-36 0,18 18 0,-1 0 16,0 0-16,-35 70 15,53-52-15,-17 17 16,17 1-16,0-1 15,17-17-15,-17-1 0,18-17 16,17 18-16,-17-18 0,17 0 16,-17-18-16,17-17 0,-17 17 15,-1-35-15,1 18 16,-18 0-16,0-18 16,-18 35-16,1 1 0,-54-1 15,54 36-15,-19-18 16,1 17-16,17 1 0,1 0 15,-1 17-15,0-18 16,18 1-16,18 0 0,-18 17 16,18-35-16,-1 18 0,19-1 15,-19-17-15,19-17 0,-1-1 16,-18 0-16,1 1 0,0-19 16,-18 19-16,0-1 15,-18 18-15,0 18 16,-17 35-1,18-36-15,-1 19 16,18-19-16,-18 1 0,36 17 16,0-35-16,-1 0 15,1-17-15,-1 17 16,19-18-16,-19 0 0,1-17 16,-18 17-16,18 1 0,-18-1 15,-18 0-15,0 1 0,1 17 16,-1 0-16,-17 0 0,17 17 15,-17 1-15,17 0 16,1-1-16,-1-17 0,18 18 16,35-18-16,1-18 15,-1 1-15,0-19 16</inkml:trace>
   <inkml:trace contextRef="#ctx0" brushRef="#br0" timeOffset="82107.8309">24906 7567 0,'0'0'0,"0"-18"0,18 1 0,-18-1 15,0 1 1,-18 17 0,0 17-16,1 1 15,-18 35-15,-1 0 0,19 35 16,-19-18-16,19 1 16,-1 0-16,18-1 0,18-35 15,-1 18-15,1-17 0,0-19 16,17 1-16,-17-1 0,17-17 15,18-17-15,-36-1 16,19 1-16,-36-19 0,0 19 16,0-19-16,0 1 0,-36 17 15,19 1-15,-19-1 16,1 18-16,0-17 0,-18 17 16,35 17-16,18 1 15,36-1 1</inkml:trace>
-  <inkml:trace contextRef="#ctx0" brushRef="#br0" timeOffset="82450.9466">25382 7673 0,'0'0'15,"-17"0"-15,-1 0 0,-17 0 16,17 0-16,-17 18 0,17-1 15,1 18-15,17 1 0,0-1 16,0 0-16,17 18 16,1-35-16,17-18 0,-17 18 15,17-18-15,-17 0 16,17-18-16,-17 0 0,-1-17 16,-17 17-16,18-17 0,-18 0 15,0-1-15,0 1 0,0 0 16,-18 0-1,1 70 1,17 71 0,0-36-16,17-17 0,-17 18 15,18-1-15,52 71 16,-52-88-16,-18-35 16</inkml:trace>
+  <inkml:trace contextRef="#ctx0" brushRef="#br0" timeOffset="82450.9465">25382 7673 0,'0'0'15,"-17"0"-15,-1 0 0,-17 0 16,17 0-16,-17 18 0,17-1 15,1 18-15,17 1 0,0-1 16,0 0-16,17 18 16,1-35-16,17-18 0,-17 18 15,17-18-15,-17 0 16,17-18-16,-17 0 0,-1-17 16,-17 17-16,18-17 0,-18 0 15,0-1-15,0 1 0,0 0 16,-18 0-1,1 70 1,17 71 0,0-36-16,17-17 0,-17 18 15,18-1-15,52 71 16,-52-88-16,-18-35 16</inkml:trace>
   <inkml:trace contextRef="#ctx0" brushRef="#br0" timeOffset="87079.955">26388 7691 0,'-18'-53'16,"18"17"-16,-17 19 15,17-1-15,-18 0 0,18 1 16,-18 17-16,1 0 16,-36 35-16,17 0 15,19 1-15,-1 17 0,0-1 16,18-16-16,18 34 15,17-17 1,1-53-16,-1 0 0,0 0 16,1-17-16,16-1 0,-16-17 15,-19-1-15,19 1 0,-19-18 16,1 0-16,0 18 16,-18-18-16,0 18 0,0 17 0,0 1 15,0 34 1,0 1-16,-18 52 15,18-17-15,0-17 16,0 105 0,18-18-1,17-35 1,0-70-16,-17-18 16,-1 0-16</inkml:trace>
-  <inkml:trace contextRef="#ctx0" brushRef="#br0" timeOffset="87226.3448">26829 7796 0,'0'0'0,"0"53"0,0 18 0,17-1 16,-17 1-16,18-18 0,0 0 16,-1 0-16,1 0 15,17-18-15,-35 0 0</inkml:trace>
-  <inkml:trace contextRef="#ctx0" brushRef="#br0" timeOffset="92334.4948">27623 7708 0,'-18'-17'15,"36"34"16,-18 36-15,17-18-16,-17 18 0,0-17 16,0 17-16,18 35 15,-18-53-15,0 0 16,17-17-16,-17 0 0,18-18 16</inkml:trace>
+  <inkml:trace contextRef="#ctx0" brushRef="#br0" timeOffset="87226.3447">26829 7796 0,'0'0'0,"0"53"0,0 18 0,17-1 16,-17 1-16,18-18 0,0 0 16,-1 0-16,1 0 15,17-18-15,-35 0 0</inkml:trace>
+  <inkml:trace contextRef="#ctx0" brushRef="#br0" timeOffset="92334.4947">27623 7708 0,'-18'-17'15,"36"34"16,-18 36-15,17-18-16,-17 18 0,0-17 16,0 17-16,18 35 15,-18-53-15,0 0 16,17-17-16,-17 0 0,18-18 16</inkml:trace>
   <inkml:trace contextRef="#ctx0" brushRef="#br0" timeOffset="92584.66">27817 7708 0,'0'0'0,"17"0"16,18 0-16,-17 0 0,17 18 16,-17-1-16,-18 1 15,0 0-15,0 52 16,-18-34-16,1-19 15,-1 19-15,0-19 0,1 18 16,-1-17-16,18 0 16,0 17-16,18-35 15,17 0-15,-17 0 0,17 0 16,-17 0-16,35-35 16</inkml:trace>
   <inkml:trace contextRef="#ctx0" brushRef="#br0" timeOffset="92835.2607">28063 7779 0,'36'-36'16,"-72"72"-16,107-89 0,-53 35 16,35 18-16,-18-17 15,0-1-15,0 18 16,-17 0-16,0 18 0,-18-1 15,0 1-15,0 17 0,-18 36 16,18-36-16,0 18 16,0-18-16,0 18 0,0-18 15,18 36 1,-1-53-16,1-1 0,-18 1 16,18-1-16</inkml:trace>
-  <inkml:trace contextRef="#ctx0" brushRef="#br0" timeOffset="92985.7434">28205 7973 0,'0'0'0,"17"0"16,19 0-16,-1 0 0,53-18 15,-35 1-15,17-1 16</inkml:trace>
+  <inkml:trace contextRef="#ctx0" brushRef="#br0" timeOffset="92985.7433">28205 7973 0,'0'0'0,"17"0"16,19 0-16,-1 0 0,53-18 15,-35 1-15,17-1 16</inkml:trace>
   <inkml:trace contextRef="#ctx0" brushRef="#br0" timeOffset="97523.1629">24888 8731 0,'-17'0'15,"-1"18"-15,1 0 16,-1-1-16,0 18 0,1-17 0,17 17 16,-18 1-16,18-19 15,0 19-15,0-1 16,0-18-16,18 1 0,-1 0 0,19-1 16,-19 1-16,18 0 15,1-18-15,17 0 16,-18 0-16,0 0 0,-17 0 15,-18-18-15,18 18 0,-18-18 16,-18 1-16</inkml:trace>
   <inkml:trace contextRef="#ctx0" brushRef="#br0" timeOffset="97694.3627">24994 8890 0,'-17'88'15,"34"-176"-15,-34 211 0,17-87 0,0 17 16,0-18-16,0 0 16,-18 1-16,18 34 15,18-52-15,-18 17 0,17-35 16,1 18-16,0-18 0</inkml:trace>
   <inkml:trace contextRef="#ctx0" brushRef="#br0" timeOffset="97917.1227">25206 8872 0,'-18'53'16,"36"-106"-16,-53 159 0,35-88 15,0 17-15,17-17 0,1-1 16,17 1-16,1 0 0,-1-18 15,-18 0-15,19 0 16,-1 0-16,0-18 16,-17 0-16,-18 1 0,0-1 15</inkml:trace>
-  <inkml:trace contextRef="#ctx0" brushRef="#br0" timeOffset="98055.9932">25347 8908 0,'0'70'0,"0"-140"0,0 193 0,0-52 16,18 35-16,-1-54 16,1-16-16,-18 17 15,18-36-15,-1 19 0</inkml:trace>
+  <inkml:trace contextRef="#ctx0" brushRef="#br0" timeOffset="98055.9931">25347 8908 0,'0'70'0,"0"-140"0,0 193 0,0-52 16,18 35-16,-1-54 16,1-16-16,-18 17 15,18-36-15,-1 19 0</inkml:trace>
   <inkml:trace contextRef="#ctx0" brushRef="#br0" timeOffset="99135.3376">26088 8837 0,'18'-18'16,"34"1"-1,-16 17-15,-1-18 0,0 1 16,1 17-16,-1-18 0,-17 18 15,34 0-15,-34 0 16,-18 18-16,0-1 16,0 1-16,0 17 15,0 0-15,-18 1 0,18 17 16,-17 52 0,17-69-16,17 34 15,-17-52-15,18 0 16,-18-1-16,18 1 0,-18-1 0</inkml:trace>
   <inkml:trace contextRef="#ctx0" brushRef="#br0" timeOffset="99310.6955">26158 9137 0,'71'-18'15,"-36"18"-15,1-17 16,17-1-16,-18 18 0,18-18 16,-18 1-16,0-1 15,18-17-15,-35 35 16</inkml:trace>
   <inkml:trace contextRef="#ctx0" brushRef="#br0" timeOffset="99596.1014">26688 8837 0,'0'0'0,"17"0"0,1 0 16,17 0-16,-17 18 0,-1-1 0,1 1 16,-18 0-16,18 17 15,-18-17-15,0 17 16,0-18-16,0 1 0,-18 17 15,18-17-15,-18 0 16,18 17-16,0-17 0,0-1 16,18-17-16,-18 18 15,18-18-15,-1 18 16,1-18 0,0 0-16,-1 0 0,1 0 15</inkml:trace>
   <inkml:trace contextRef="#ctx0" brushRef="#br0" timeOffset="103005.3078">27499 8890 0,'0'-18'16,"35"1"-1,-17 17-15,0-18 0,17 18 16,0-18-16,0 18 15,-17-17-15,17 17 0,1 0 16,-19 0-16,19 0 0,-19 0 16,1 17-16,-18 1 0,17 17 15,-17 1-15,0-1 0,0 18 16,-17 0-16,17 0 16,0 0-16,0 0 0,0-18 15,0 0-15,17 0 0,-17-17 16,18 0-16,0-1 0,-1 1 15,1-18-15</inkml:trace>
   <inkml:trace contextRef="#ctx0" brushRef="#br0" timeOffset="103171.9221">27623 9208 0,'0'0'0,"17"0"0,1 0 15,17-18-15,0 18 0,1-18 16,-1 1-16,18-1 16,-18 18-16,0-18 0,-17 18 15,17-17-15</inkml:trace>
-  <inkml:trace contextRef="#ctx0" brushRef="#br0" timeOffset="103416.9063">28187 8837 0,'0'18'15,"-18"-1"-15,1 19 0,17-19 16,0 1 0,0 17-16,0-17 0,0 17 0,17-17 15,36 17 1,-35-17-16,17-1 0,0-17 15,-17 0-15,17 0 0,-17 0 0,17-17 16,-17-1 0,-18-17-16</inkml:trace>
+  <inkml:trace contextRef="#ctx0" brushRef="#br0" timeOffset="103416.9062">28187 8837 0,'0'18'15,"-18"-1"-15,1 19 0,17-19 16,0 1 0,0 17-16,0-17 0,0 17 0,17-17 15,36 17 1,-35-17-16,17-1 0,0-17 15,-17 0-15,17 0 0,-17 0 0,17-17 16,-17-1 0,-18-17-16</inkml:trace>
   <inkml:trace contextRef="#ctx0" brushRef="#br0" timeOffset="103539.7893">28310 9102 0,'0'70'0,"0"-17"0,0-176 0,18 370 16,0-194-16,-1-53 16,1 70-16,0-35 0,-18-35 15</inkml:trace>
   <inkml:trace contextRef="#ctx0" brushRef="#br0" timeOffset="110853.1304">5133 13511 0,'-18'0'47,"36"0"93,35 0-124,-18 0-16,0 0 0,18 0 15,0 0-15,124 0 16,-89-17-16,18 17 16,17-18-16,1 0 0,-1 18 15,1-17-15,-1-1 0,0 1 16,-17-1-16,0 18 0,-18-18 16,-17 18-16,-1 0 15,-34 0-15,-1 0 0,0 0 16</inkml:trace>
   <inkml:trace contextRef="#ctx0" brushRef="#br0" timeOffset="112125.8589">15628 10954 0,'-18'0'16,"36"0"-16,-18 0 16,53 17-1,18-17-15,17 18 0,0-18 16,35 18-16,1-18 0,17 0 16,-18 0-16,19 0 15,-19 0-15,1 0 0,-19-18 16,-16 18-16,-19 0 0,-17 0 15,-18 0-15</inkml:trace>
@@ -207,9 +207,9 @@
   <inkml:trace contextRef="#ctx0" brushRef="#br0" timeOffset="114846.0076">27058 10019 0,'-53'53'16,"106"-106"-16,-141 123 0,53-34 0,-1-1 0,19 0 15,-19-17-15,19 17 16,-1-17-16,18-1 0,0 1 16,0 0-16,18-18 0,17 0 15,0 0-15</inkml:trace>
   <inkml:trace contextRef="#ctx0" brushRef="#br0" timeOffset="115202.7151">27358 9878 0,'70'0'15,"-140"0"-15,176 0 16,-71 0-16,0 0 0,1 17 15,-19-17-15,1 0 0,0 0 16,-18 18-16,-18 0 16,-35 17-1,35-17-15,1 17 0,17-17 16,0 34-16,53 1 16,52 0-1,-16-17 1,-54-19-16,-17 18 15,-36-17-15,0 0 16,-35-1-16,0 1 16,1 0-16,-19-1 0,18 1 15,0 0-15,0-1 0,0-17 16,18 18-16,0-18 0,17 18 16</inkml:trace>
   <inkml:trace contextRef="#ctx0" brushRef="#br0" timeOffset="149365.6445">2558 14429 0,'0'-18'15,"0"0"1,17 18 0,1 0-16,0 18 0,-1 35 15,1-18-15,-1 0 16,1 18-16,0 0 0,-1 0 15,-17 53-15,0-71 16,0 1-16,0-1 0,0-17 16,0-54-1,-17-34 1,-1 17 0,18 0-16,0 18 0,0-89 15,0 89-15,18-18 16,-1 18-16,19-36 15,-19 71-15,1 0 16,17 35 0,-17 1-16,0-1 0,-18 35 15,0-17-15,17 18 0,-17-18 16,0 17-16,18-17 0,-18 0 16,0-17-16,0-1 0,17 0 15,-17 0-15,0-17 0,0 0 16</inkml:trace>
-  <inkml:trace contextRef="#ctx0" brushRef="#br0" timeOffset="149880.4345">3122 14552 0,'0'0'0,"-18"0"0,36 0 15,0 18 1,17-1 0,18 36-16,-18-17 15,18-1-15,-18-18 0,1 19 16,-1-1-16,0-17 0,1 17 16,16 0-1,-34-17-15,0 0 16,-1-1-1,-34-34 1</inkml:trace>
-  <inkml:trace contextRef="#ctx0" brushRef="#br0" timeOffset="150083.529">3493 14570 0,'-18'35'0,"0"-17"16,54-71-16,-107 141 0,53-35 0,1-18 16,-36 36-16,35-36 15,0 0-15,18 1 0,-17-19 16,17 1-16,0-1 0,17 1 16</inkml:trace>
-  <inkml:trace contextRef="#ctx0" brushRef="#br0" timeOffset="150564.9537">3775 14570 0,'0'0'16,"0"17"-16,0 54 16,0-36-1,0 18-15,17 0 0,-17-18 16,0 18-16,18-17 0,-18-1 15,18-18-15,-18 1 0,17 0 16,1-36 0,-18-35-1,18 18-15,-18-18 16,17 0-16,-17 18 0,18-53 16,-18 52-16,17 19 15,19-1 1,-36 36-16,35 35 15,-35-18-15,18 18 16,-18-18-16,17 18 0,1-18 16,-18 1-16,18-1 0,-18 0 15,0 0-15,17 1 16,-17-19-16,0 1 0</inkml:trace>
+  <inkml:trace contextRef="#ctx0" brushRef="#br0" timeOffset="149880.4344">3122 14552 0,'0'0'0,"-18"0"0,36 0 15,0 18 1,17-1 0,18 36-16,-18-17 15,18-1-15,-18-18 0,1 19 16,-1-1-16,0-17 0,1 17 16,16 0-1,-34-17-15,0 0 16,-1-1-1,-34-34 1</inkml:trace>
+  <inkml:trace contextRef="#ctx0" brushRef="#br0" timeOffset="150083.5289">3493 14570 0,'-18'35'0,"0"-17"16,54-71-16,-107 141 0,53-35 0,1-18 16,-36 36-16,35-36 15,0 0-15,18 1 0,-17-19 16,17 1-16,0-1 0,17 1 16</inkml:trace>
+  <inkml:trace contextRef="#ctx0" brushRef="#br0" timeOffset="150564.9536">3775 14570 0,'0'0'16,"0"17"-16,0 54 16,0-36-1,0 18-15,17 0 0,-17-18 16,0 18-16,18-17 0,-18-1 15,18-18-15,-18 1 0,17 0 16,1-36 0,-18-35-1,18 18-15,-18-18 16,17 0-16,-17 18 0,18-53 16,-18 52-16,17 19 15,19-1 1,-36 36-16,35 35 15,-35-18-15,18 18 16,-18-18-16,17 18 0,1-18 16,-18 1-16,18-1 0,-18 0 15,0 0-15,17 1 16,-17-19-16,0 1 0</inkml:trace>
   <inkml:trace contextRef="#ctx0" brushRef="#br0" timeOffset="152357.1967">6315 14658 0,'17'18'15,"54"-18"1,-36 17-16,18-17 16,0 0-16,0 0 0,0 0 15,-18 0-15,18 0 16,-18-17-16,1 17 0,-1 0 16,0-18-1,-35 0-15</inkml:trace>
   <inkml:trace contextRef="#ctx0" brushRef="#br0" timeOffset="152522.0793">6720 14464 0,'0'0'0,"0"18"0,0 34 16,-17 1-16,-54 88 15,54-88 1,-1 0-16,0-17 0,1-1 15,17 0-15,-18-17 0,0-1 16</inkml:trace>
   <inkml:trace contextRef="#ctx0" brushRef="#br0" timeOffset="152718.6096">6456 14482 0,'53'105'16,"-106"-210"-16,123 263 16,-52-122-16,17 16 0,1 1 15,-1-17-15,0 17 0,0-18 16,1 0-16,-19 0 0,19-17 16,-19 17-16,1-17 15,-18 0-15</inkml:trace>
@@ -217,12 +217,12 @@
   <inkml:trace contextRef="#ctx0" brushRef="#br0" timeOffset="153600.9342">8714 14728 0,'53'0'15,"-106"0"-15,141 18 0,-53-18 16,0 0-16,18 0 0,-17 0 16,-1 0-16,18 18 0,0-18 15,-36 17 1</inkml:trace>
   <inkml:trace contextRef="#ctx0" brushRef="#br0" timeOffset="153941.0707">9366 14658 0,'0'0'16,"18"0"-16,0 0 15,-1 0-15,36 35 16,-35-17-16,52 35 15,-34-18-15,-1-17 16,35 35 0,-17-18-1,-53-17-15,18-18 16</inkml:trace>
   <inkml:trace contextRef="#ctx0" brushRef="#br0" timeOffset="154118.6718">9666 14640 0,'-35'53'15,"70"-106"-15,-70 124 0,0-36 0,17 0 16,0 1-16,1-1 0,-1-17 16,18 17-16,-18 0 0,18-17 15,-17-1-15,17 1 16,17-18-1</inkml:trace>
-  <inkml:trace contextRef="#ctx0" brushRef="#br0" timeOffset="154468.1295">10248 14288 0,'0'0'0,"0"-18"0,0-17 0,0-1 16,-17 19-16,-1-1 0,-17-17 16,17 35-16,0 0 15,-17 0-15,17 17 0,-17 1 16,-18 123-1,53-88 1,0 18-16,0-1 0,0 1 0,18-1 16,0-17-16,-1 18 0,18-18 15,1-18-15,-1 18 0,0-35 16,18 34 0,-35-34-16,-1-18 0,-17 18 15</inkml:trace>
+  <inkml:trace contextRef="#ctx0" brushRef="#br0" timeOffset="154468.1294">10248 14288 0,'0'0'0,"0"-18"0,0-17 0,0-1 16,-17 19-16,-1-1 0,-17-17 16,17 35-16,0 0 15,-17 0-15,17 17 0,-17 1 16,-18 123-1,53-88 1,0 18-16,0-1 0,0 1 0,18-1 16,0-17-16,-1 18 0,18-18 15,1-18-15,-1 18 0,0-35 16,18 34 0,-35-34-16,-1-18 0,-17 18 15</inkml:trace>
   <inkml:trace contextRef="#ctx0" brushRef="#br0" timeOffset="154629.5819">10072 14746 0,'0'0'0,"35"0"0,0 0 0,18 0 15,-17 0-15,-1 0 0,18 0 16,-36 0-16,19-18 15,-19 18-15</inkml:trace>
   <inkml:trace contextRef="#ctx0" brushRef="#br0" timeOffset="157405.5483">1976 16228 0,'0'17'0,"17"1"16,-17 17-16,35 18 0,18 106 15,-17-71-15,-19 0 16,19 18-16,-19-18 0,1 1 16,0-1-16,-1-35 15,1 0-15,-18-36 0,0 19 16,0-19-16,0-34 16,-35-54-1,17 18-15,0 0 16,1 0-16,-1-35 0,0 18 15,1-19-15,-1 1 0,0 0 16,1-18-16,17 36 0,0-1 16,17 18-16,19 18 15,-19 17-15,19 18 0,-1 0 16,0 18-16,18-1 0,-18 19 16,1-1-16,-1 18 0,-17 0 15,-1-18-15,-17 18 0,0 18 16,-17-54-16,-1 18 15,0-17-15,-17 0 16,17-18-16,1 17 0,-19-17 16,19-17-16</inkml:trace>
   <inkml:trace contextRef="#ctx0" brushRef="#br0" timeOffset="157816.9828">2646 16316 0,'0'0'0,"-35"18"16,17-1 0,-17 54-1,17-36-15,18 0 16,0 1-16,0-1 0,0 0 0,18 0 15,-1-17-15,1 0 0,17-18 16,-17 0-16,17 0 16,-17 0-16,17-18 0,-17-17 15,-1 17-15,-17-17 0,0 0 16,0 17-16,0-17 0,0-1 16,-17 19-16,-1-18 15,0 17 1,18 36-16,0 34 31,18-16-31,0-1 0,-1-17 0,1 17 16,0 0-16,-1-17 15,19-1-15,34 19 0,-35-36 16,-17 0-16</inkml:trace>
   <inkml:trace contextRef="#ctx0" brushRef="#br0" timeOffset="158194.878">3052 16404 0,'-18'0'0,"36"0"0,-54 35 16,19 36 0,17-36-16,0 1 0,17-1 15,19 0 1,-1 0-16,0-35 0,0 0 15,-17 0-15,0-17 0,17-19 16,-17 19-16,-18-18 0,17-1 16,-17 1-16,-17 0 0,-1-1 15,0-16-15,-17 16 16,17-17-16,-35 18 0,18-18 16,0 0-16,-18 36 0,35-19 15,1 19-15,-1 17 16,18 17-16,18 19 0,-1-1 15,1 0-15,17 18 0,-17 0 16,17-18-16,0 18 16,1 0-16,-1 0 0,18-18 15,-18 1-15,0-19 0,18 18 16,18-17-16</inkml:trace>
-  <inkml:trace contextRef="#ctx0" brushRef="#br0" timeOffset="158606.8965">3510 16387 0,'-53'52'16,"106"-104"-16,-123 140 0,52-53 16,0 0-16,18 18 0,0-18 15,0-17-15,18 17 0,0-17 16,17-18-16,18 0 15,-18 0-15,0-18 16,-17 1-16,17-19 0,-17 1 16,0 0-16,-1 0 0,-17-36 15,0 36-15,-17-18 16,-19 18-16,19-18 0,-19-18 16,1 18-16,-18 0 15,18 0-15,0 18 0,17 17 16,0 18-1,18 36-15,0-1 0,18 18 16,0 0-16,17 17 0,-17-17 16,17 0-16,0 0 15,-17 0-15,17-18 0,0 1 16,1-1-16,-1-17 0,-18-1 16,19 1-16,-19-1 0,19-17 15,-36-17-15,0-1 16</inkml:trace>
+  <inkml:trace contextRef="#ctx0" brushRef="#br0" timeOffset="158606.8964">3510 16387 0,'-53'52'16,"106"-104"-16,-123 140 0,52-53 16,0 0-16,18 18 0,0-18 15,0-17-15,18 17 0,0-17 16,17-18-16,18 0 15,-18 0-15,0-18 16,-17 1-16,17-19 0,-17 1 16,0 0-16,-1 0 0,-17-36 15,0 36-15,-17-18 16,-19 18-16,19-18 0,-19-18 16,1 18-16,-18 0 15,18 0-15,0 18 0,17 17 16,0 18-1,18 36-15,0-1 0,18 18 16,0 0-16,17 17 0,-17-17 16,17 0-16,0 0 15,-17 0-15,17-18 0,0 1 16,1-1-16,-1-17 0,-18-1 16,19 1-16,-19-1 0,19-17 15,-36-17-15,0-1 16</inkml:trace>
   <inkml:trace contextRef="#ctx0" brushRef="#br0" timeOffset="159073.4569">3792 16475 0,'36'35'16,"-72"-70"-16,72 88 16,-19-36-16,-17 1 0,18-18 15,0 0-15,-18-18 31,0 1-15,-18-1-16,18 0 16,0 1-1,0-1-15,18 18 16,-1 0-16,1 18 16,-1-18-16,1 17 15,-18 1-15,18-18 0,17 53 16,-35-18-1,18 0-15,-1 18 0,1 0 16,17 18-16,-17-1 0,0 1 16,-1-18-16,1 0 0,-1 0 15,-17-18-15,0 0 0,-17 1 16,-1-1-16,1-18 0,-1 1 16,-17-18-16,-1 0 0,19-18 15,-19-17-15,19 0 16,-1 0-16,0-18 15,18-18-15,0 18 0,18-17 0,17 17 16,1-18-16,-1 18 16,0 18-16,36-36 15,-36 36-15,0 18 0,-17 17 16,0 0-16,-18 17 16</inkml:trace>
   <inkml:trace contextRef="#ctx0" brushRef="#br0" timeOffset="159824.019">4886 16439 0,'18'53'16,"-36"-106"-16,53 142 0,-17-36 15,0-1-15,-1 19 0,1 0 16,-1-1-16,1-17 0,0 18 16,-18-18-16,0-18 0,0-18 15,17 1-15,-17 0 16,-17-18-16,-1-18 15,18-17-15,-18-18 16,1 0-16,17 0 0,-18-17 16,18-89-16,0 71 15,18-1-15,-18 19 16,35-1-16,53-17 16,36 106-1,-71 52 1,-36-34-16,1 16 0,-18 37 15,-35-54 1,17 0-16,-35 0 0,0 1 16,0-19-16,0 1 0,18-18 15,0 18-15,0-18 0,17-18 16,0 0-16,18 1 0,0-19 16</inkml:trace>
   <inkml:trace contextRef="#ctx0" brushRef="#br0" timeOffset="161966.7486">8343 16245 0,'-17'-17'16,"17"-1"-16,-18 18 16,0 0-16,-17 0 0,17 0 15,1 0-15,-19 18 16,19 17-16,-1-17 0,18 35 0,0-18 16,0 0-16,18 18 15,-1-18-15,19 1 0,-1-1 16,0-17-16,1 17 15,-1-18-15,0 1 0,-17 0 0,17 17 32,-53 0-32,-52-17 31,52-18-31,-17 0 0,-36 0 16,54 0-1</inkml:trace>
@@ -232,16 +232,16 @@
   <inkml:trace contextRef="#ctx0" brushRef="#br0" timeOffset="162683.0312">9419 16598 0,'0'0'0,"0"18"0,18-1 15,-1 1-15,1 0 0,-18-1 16</inkml:trace>
   <inkml:trace contextRef="#ctx0" brushRef="#br0" timeOffset="162842.4024">9437 16351 0,'0'0'16,"0"-17"-16,17 17 0,1 0 16,0 17-16,-1-17 15,19 0-15</inkml:trace>
   <inkml:trace contextRef="#ctx0" brushRef="#br0" timeOffset="163227.0972">9737 16439 0,'0'0'0,"-18"18"16,0 17-16,1 1 0,17-1 0,0 0 15,0 0-15,0 1 16,0-19-16,17 1 0,36 17 15,-35-35-15,17 0 16,1-17-16,-19-1 0,18-17 16,-17-1-16,0-87 15,-18-18 1,-36 17 0,1 54-16,-18-54 15,18 54-15,0 17 16,-1 35-16,19 1 0,-1 17 15,18 35-15,18 71 16,-1-36 0,1 1-16,35 70 15,-18-53-15,18-35 0,-18 0 16,18 0-16,0 0 16,-17-18-16,34 18 15,-52-35-15,-1-1 0,1-17 0</inkml:trace>
-  <inkml:trace contextRef="#ctx0" brushRef="#br0" timeOffset="163792.1595">10248 16492 0,'0'18'16,"0"-36"-16,18 36 0,-1 0 16,1-18-16,70 0 15,1-36 1,-54-17 15,-70 1-15,-54 34-1,-17 53 1,54 18 0,52-18-16,17 1 15,1-1-15,17-17 16,18-1-16,35 1 15,-35-1-15,0-17 0,-18 0 16,1 18-16,-1-18 0,-17 18 16,-1-18-16,1 17 0</inkml:trace>
+  <inkml:trace contextRef="#ctx0" brushRef="#br0" timeOffset="163792.1594">10248 16492 0,'0'18'16,"0"-36"-16,18 36 0,-1 0 16,1-18-16,70 0 15,1-36 1,-54-17 15,-70 1-15,-54 34-1,-17 53 1,54 18 0,52-18-16,17 1 15,1-1-15,17-17 16,18-1-16,35 1 15,-35-1-15,0-17 0,-18 0 16,1 18-16,-1-18 0,-17 18 16,-1-18-16,1 17 0</inkml:trace>
   <inkml:trace contextRef="#ctx0" brushRef="#br0" timeOffset="164509.0673">11412 16281 0,'0'-36'16,"0"72"-16,0-89 0,-17 35 15,-1 1 1,-17-1-16,17 18 0,-17 18 16,-36 17-16,1 53 15,70 0 1,88-17 15,71-36-15,17-17-1,-141-1-15,1 1 16,-19 0-16,-34-1 16,-1 1-16,-35-1 0,0 19 15,0-19-15,0 1 0,-70 35 16,70-53-16,18 18 15,-18-18-15</inkml:trace>
   <inkml:trace contextRef="#ctx0" brushRef="#br0" timeOffset="166063.1538">8978 17727 0,'-17'-18'0,"-36"-17"16,35 35-16,-17-17 15,-71 17 1,71 0-16,-18 17 0,0 36 16,35-18-1,1-17-15,34 70 16,18-53-16,1-17 16,-1 17-16,36 18 15,-36-35-15,-18 17 0,19-17 16,-19 17-16,-17-17 0,0-1 15,0 1-15,-17 0 16,-1-18-16,-17 17 16,0-17-16,17 0 0,-17 0 15,-1 0-15,19-17 16</inkml:trace>
   <inkml:trace contextRef="#ctx0" brushRef="#br0" timeOffset="166260.3468">9296 17851 0,'53'17'16,"-106"-34"-16,159 52 0,-89-35 15,36 0-15,-18 0 0,1 0 16,-1 0-16,0 0 0,-17 0 15,-18 17-15</inkml:trace>
   <inkml:trace contextRef="#ctx0" brushRef="#br0" timeOffset="166377.1402">9331 18080 0,'35'18'15,"-70"-36"-15,88 36 0,-18-18 0,0-18 16,18 18-16,-17-18 15,17 1-15</inkml:trace>
   <inkml:trace contextRef="#ctx0" brushRef="#br0" timeOffset="166692.7385">9790 17657 0,'17'0'0,"-34"0"0,70 0 0,-1 0 16,-16 0-16,-1 0 0,0 17 15,1 18-15,-1-17 0,-18 17 16,1 1-16,-18 17 0,0-1 16,0 1-16,-18 0 0,1-17 15,-18 52 1,-1-35-1,36-36-15,0 19 16,18-36-16,17 17 0,0-17 0,1 0 16,17 0-16,-18-17 15,18 17-15,-18-18 0,0 18 16,-17 0-16,0 0 0</inkml:trace>
   <inkml:trace contextRef="#ctx0" brushRef="#br0" timeOffset="171602.0619">15716 14623 0,'0'70'15,"0"-140"-15,18 193 16,-18-88-16,0 18 0,18-17 15,-18 17-15,0-18 0,0-18 16,0 19-16,0-19 16,0-34-1,0-36 1,-18 18-16,18-1 16,18-34-16,-18 34 15,17 1-15,1 0 0,-1 0 16,1 17-16,0 0 15,-1 18-15,19 0 0,-19 0 0,1 18 16,0 0-16,-1 17 16,1 0-16,-18 18 0,17-18 15,-17 1-15,0 17 0,18-18 16,-18 0-16,0 18 16,18-18-16,-18-17 15,17-18-15</inkml:trace>
-  <inkml:trace contextRef="#ctx0" brushRef="#br0" timeOffset="172400.0811">16422 14781 0,'17'0'31,"19"0"-15,-19 0 0,1 0-16,17 0 0,36 18 15,-36-18-15,0 0 16,-17 0-16,17 0 0,-17 0 15,0 0-15,-18-18 0,17 18 16,-34 0-16</inkml:trace>
+  <inkml:trace contextRef="#ctx0" brushRef="#br0" timeOffset="172400.081">16422 14781 0,'17'0'31,"19"0"-15,-19 0 0,1 0-16,17 0 0,36 18 15,-36-18-15,0 0 16,-17 0-16,17 0 0,-17 0 15,0 0-15,-18-18 0,17 18 16,-34 0-16</inkml:trace>
   <inkml:trace contextRef="#ctx0" brushRef="#br0" timeOffset="172616.5313">16545 14482 0,'0'70'15,"0"-35"-15,0 18 0,18 0 16,-18 0-16,18 71 0,-18-71 16,0-1-16,0-16 15,17-1-15,-17 0 0,18-17 16,-1-18-16</inkml:trace>
-  <inkml:trace contextRef="#ctx0" brushRef="#br0" timeOffset="172904.4244">16739 14499 0,'36'0'0,"-72"0"0,125 0 16,-54 0-16,0 18 0,0-1 16,-17 1-16,0 17 0,-18-17 15,17 17-15,-17 1 16,-17 16-16,-1-16 0,0-1 0,18 0 16,-17-17-16,-1 35 15,18-35-15,18-1 16,-1 1-16,1-1 0,35 1 15,-35-18-15,17 0 16,-18 18-16,19-18 0,-19 0 16</inkml:trace>
+  <inkml:trace contextRef="#ctx0" brushRef="#br0" timeOffset="172904.4243">16739 14499 0,'36'0'0,"-72"0"0,125 0 16,-54 0-16,0 18 0,0-1 16,-17 1-16,0 17 0,-18-17 15,17 17-15,-17 1 16,-17 16-16,-1-16 0,0-1 0,18 0 16,-17-17-16,-1 35 15,18-35-15,18-1 16,-1 1-16,1-1 0,35 1 15,-35-18-15,17 0 16,-18 18-16,19-18 0,-19 0 16</inkml:trace>
   <inkml:trace contextRef="#ctx0" brushRef="#br0" timeOffset="173299.5957">17198 15046 0,'0'106'16,"0"-212"-16,0 265 0,18-89 15,-18-34-15,17 16 0,-17-16 16,18-1-16,-1-35 16,-17 18-16,0-36 15,-17-17 1,-1-1-16,18 1 0,-17 0 15,17-18-15,0 18 0,0-18 16,17 0-16,-17 0 0,35 0 16,-17 18-16,0 0 15,17 17-15,0 18 0,-17 0 16,35 18-16,0 70 16,-88 18-1,-18-71 1,17-18-1,1 1-15,-53-18 16,53-18 0,52 1-1,18-1-15</inkml:trace>
   <inkml:trace contextRef="#ctx0" brushRef="#br0" timeOffset="173504.774">17639 14852 0,'18'0'0,"52"18"16,-17-18-1,35 17 1,-53-17-16,1 0 0,-1 0 15,-17 0-15,-1 0 0</inkml:trace>
   <inkml:trace contextRef="#ctx0" brushRef="#br0" timeOffset="174017.2744">18309 14499 0,'18'-17'16,"-36"34"-16,53-52 0,-35 0 0,18-1 16,-18 19-16,18-19 15,-18-16 1,-18 16-16,18 19 0,-18 17 15,18-18-15,-17 18 16,-1 18-16,1-1 0,-1 1 16,0 35-16,1 0 0,17 0 15,0 17-15,0-17 0,0 18 16,0-1-16,17-17 0,1 18 16,0-36-16,-1 18 15,1 0-15,-1-18 0,1-17 0,-18 17 16,18-17-16,-18-1 15,0 1-15,0 0 0,-18-18 16,0 0-16</inkml:trace>
@@ -250,24 +250,24 @@
   <inkml:trace contextRef="#ctx0" brushRef="#br0" timeOffset="179595.7304">17427 16034 0,'0'0'16,"0"-18"-16,18 0 0,-18 1 0,18 17 15,-18-18-15,0 1 0,-18 17 16,0-18-16,1 18 16,-19 0-16,1 0 0,0 0 15,-1 18-15,-16-1 16,16 1-16,1-1 0,0 1 0,17 17 16,0-17-16,18 35 15,36 0 1,-1-18-16,18-17 0,0-1 15,0 1-15,0 0 0,0-1 16,0 1-16,-18 0 0,0-1 16,-17 1-16,-18 0 15,-18-1-15,-17 1 0,0-18 16,-18 17-16,0-17 16,-18 18-16,18 0 0,-17-18 15,-1 17-15</inkml:trace>
   <inkml:trace contextRef="#ctx0" brushRef="#br0" timeOffset="181252.1433">19350 15487 0,'18'0'16,"34"0"-1,-34 0-15,17 0 16,1 0-16,-1 0 0,0-18 0,-17 18 16,17 0-16,0 0 15,-17 0-15,0 0 0,-1 0 16</inkml:trace>
   <inkml:trace contextRef="#ctx0" brushRef="#br0" timeOffset="181452.8756">19579 15275 0,'18'71'31,"-36"-142"-31,36 195 0,-18-89 0,0 18 0,17-18 16,-17 18-16,18 35 15,0-70-15,-1 17 0,-17-17 16,18 17-16,0-35 16</inkml:trace>
-  <inkml:trace contextRef="#ctx0" brushRef="#br0" timeOffset="181766.4547">20108 15187 0,'0'18'31,"18"35"-15,-18-18-16,18 0 0,-18 18 15,0-18-15,17 18 0,-17 0 16,18 0-16,-18 0 0,18-18 15,-1 18-15,-17-17 0,18-1 16</inkml:trace>
+  <inkml:trace contextRef="#ctx0" brushRef="#br0" timeOffset="181766.4546">20108 15187 0,'0'18'31,"18"35"-15,-18-18-16,18 0 0,-18 18 15,0-18-15,17 18 0,-17 0 16,18 0-16,-18 0 0,18-18 15,-1 18-15,-17-17 0,18-1 16</inkml:trace>
   <inkml:trace contextRef="#ctx0" brushRef="#br0" timeOffset="183164.4786">22278 15275 0,'18'18'16,"52"52"0,-35-34-16,18-1 0,0 18 15,0-18-15,0 1 16,-18-1-16,18 0 0,-17-17 15,-1 17-15,18 18 16,-36-35-16,1-1 0,-18 1 16</inkml:trace>
   <inkml:trace contextRef="#ctx0" brushRef="#br0" timeOffset="183331.1882">22701 15363 0,'-35'18'0,"0"17"16,-36 36-16,36-36 15,17 18-15,-17-18 0,17 18 16,18-17-16,-17-1 0,17 0 16,0-17-16</inkml:trace>
   <inkml:trace contextRef="#ctx0" brushRef="#br0" timeOffset="184628.9021">23954 14640 0,'0'18'0,"0"0"0,0 34 16,0-16-16,0-1 0,0 71 31,0-71-31,0 0 0,0 1 0,0-1 16,0-17-16,0-1 16,0-34-16,17-36 15,-17 0 1,18 18-16,0-18 0,-1 17 15,1-17-15,-1 0 0,1 18 16,17 0-16,-17 0 0,0 17 16,-1 18-16,1 0 0,0 18 15,-18-1-15,17 19 16,-17 16-16,0-16 0,0 17 16,0 0-16,0-18 0,0 0 15,0 0-15,0 1 0,18-1 16,-18-17-16,0-1 0,0 1 15,17-18-15</inkml:trace>
   <inkml:trace contextRef="#ctx0" brushRef="#br0" timeOffset="184922.6188">24589 14834 0,'17'-17'15,"1"17"-15,0 0 16,17 0-16,0 0 0,18 0 0,-18 0 15,1 0-15,-1 17 0,-18-17 16,19 0-16,-19 0 16,1 0-16,-36 0 15</inkml:trace>
   <inkml:trace contextRef="#ctx0" brushRef="#br0" timeOffset="185088.9147">24783 14623 0,'0'35'16,"0"-70"-16,0 105 0,0-17 16,17 35-16,1-52 15,-18 17-15,18-18 0,-1 0 16,1 0-16,-1 1 16,-17-19-16,36 1 15</inkml:trace>
-  <inkml:trace contextRef="#ctx0" brushRef="#br0" timeOffset="185365.984">25100 14411 0,'0'0'0,"35"18"0,18-1 16,-17 1-16,-1 17 0,0-17 15,-17 17-15,-1 0 0,1 1 16,-18 17-16,-18-18 0,18 0 16,-17 18-16,-1-18 0,1 1 15,-1-1-15,0 0 0,18-17 16,0 17-16,0-17 16,18-1-16,0 1 0,-1 0 15,1-18-15,17 0 0,0 0 16,1 0-16,-19-18 0</inkml:trace>
+  <inkml:trace contextRef="#ctx0" brushRef="#br0" timeOffset="185365.9839">25100 14411 0,'0'0'0,"35"18"0,18-1 16,-17 1-16,-1 17 0,0-17 15,-17 17-15,-1 0 0,1 1 16,-18 17-16,-18-18 0,18 0 16,-17 18-16,-1-18 0,1 1 15,-1-1-15,0 0 0,18-17 16,0 17-16,0-17 16,18-1-16,0 1 0,-1 0 15,1-18-15,17 0 0,0 0 16,1 0-16,-19-18 0</inkml:trace>
   <inkml:trace contextRef="#ctx0" brushRef="#br0" timeOffset="185724.3711">25594 14975 0,'18'106'16,"-36"-212"-16,36 265 0,-1-88 0,1-18 15,-18-18-15,18 18 0,-1-36 16,-17 36-16,0-88 31,-35-53-15,35 35-16,0-70 16,0 52-1,18 0-15,-1 1 0,1 17 0,0 0 16,52 18-1,-52 17-15,70 71 16,-70-35-16,-1 35 16,-17-18-16,0 0 0,0-17 15,-17 17-15,-1-17 0,0-1 16,1-17-16,-19 18 0,1-18 16,17-18-1,1 1-15</inkml:trace>
   <inkml:trace contextRef="#ctx0" brushRef="#br0" timeOffset="185934.9637">26106 14781 0,'0'0'0,"17"0"0,18 18 0,1-18 16,-1 0-16,0 0 0,1 0 15,-1 0-15,0 0 0,0 0 16</inkml:trace>
-  <inkml:trace contextRef="#ctx0" brushRef="#br0" timeOffset="186175.3316">26705 14358 0,'0'-18'0,"0"36"0,-17-71 16,-36 18 0,-18 70-1,18 106 1,36-88-16,34 18 0,19 140 15,52-34 17,-35-89-17,-53-53-15,0-17 0</inkml:trace>
-  <inkml:trace contextRef="#ctx0" brushRef="#br0" timeOffset="186324.9594">26405 14887 0,'53'-17'16,"-106"34"-16,159-34 0,-70 17 0,16-18 0,1 18 16,0 0-16,18 18 0,-18-18 15,-18 0-15,0 0 16,-17 17-16,-18 1 16</inkml:trace>
+  <inkml:trace contextRef="#ctx0" brushRef="#br0" timeOffset="186175.3315">26705 14358 0,'0'-18'0,"0"36"0,-17-71 16,-36 18 0,-18 70-1,18 106 1,36-88-16,34 18 0,19 140 15,52-34 17,-35-89-17,-53-53-15,0-17 0</inkml:trace>
+  <inkml:trace contextRef="#ctx0" brushRef="#br0" timeOffset="186324.9593">26405 14887 0,'53'-17'16,"-106"34"-16,159-34 0,-70 17 0,16-18 0,1 18 16,0 0-16,18 18 0,-18-18 15,-18 0-15,0 0 16,-17 17-16,-18 1 16</inkml:trace>
   <inkml:trace contextRef="#ctx0" brushRef="#br0" timeOffset="186758.5073">23795 15434 0,'18'0'15,"-1"0"-15,18-18 16,18 18-16,18 0 0,123-17 16,-71 17-16,36-18 15,0 18-15,35-18 0,212 1 16,-195 17 0,1-18-16,-18 18 0,0 18 15,-35-1-15,-18-17 0,-35 18 16,-18 0-16,0-18 0,-35 17 15,-35-17-15,-1 0 0</inkml:trace>
   <inkml:trace contextRef="#ctx0" brushRef="#br0" timeOffset="187162.4429">25700 15575 0,'-71'0'16,"142"0"-16,-177 0 0,88 18 0,-17-1 15,35 1-15,-18 0 16,18 17-16,18 0 0,0 1 16,-1-1-16,36 0 0,-17 0 15,17 1-15,-18-1 0,0-17 16,0 17-16,-17-18 0,0 19 16,-18-1-16,-18-17 15,-17-18-15,-1 17 0,-16-17 16,16 0-16,-17 0 15,18 0-15,-71-17 16,89-1 0,34 0-16</inkml:trace>
   <inkml:trace contextRef="#ctx0" brushRef="#br0" timeOffset="187669.7473">27534 15363 0,'18'18'15,"0"-18"-15,17 0 16,0 0-16,18 0 0,0-18 15,70 1 1,-87 17-16,17 0 0,-36-18 16,1 18-16,-18-17 15</inkml:trace>
   <inkml:trace contextRef="#ctx0" brushRef="#br0" timeOffset="187836.4378">27693 15258 0,'0'0'0,"18"35"0,17 0 16,-17 18-16,-1 0 0,1 0 15,0-18-15,17 53 16,-18-70-16,19 17 0,-19-17 16,1 0-16</inkml:trace>
   <inkml:trace contextRef="#ctx0" brushRef="#br0" timeOffset="188045.5881">28487 15064 0,'0'0'0,"17"70"0,19 36 0,-19-18 15,19 0-15,-19-17 0,19 0 16,16-1-16,-16-17 16,-19 0-16,19-18 0,-19 0 15</inkml:trace>
   <inkml:trace contextRef="#ctx0" brushRef="#br0" timeOffset="200609.9637">15840 17392 0,'-36'0'15,"19"0"-15,34 0 32,19 0-17,-19-18-15,1 18 0,17 0 16,-17-17-16,17 17 0,0 0 16,1 0-16,-19 0 0,36 0 15,-17 0 1,-36 17-16,17-17 15,-17 18-15,0 0 16,0 35 0,0-36-16,0 1 0,0 17 0,0 53 15,0-52-15,18 34 16,0-52 0,-18 17-16,17-17 0,1-1 15,-1 1-15</inkml:trace>
-  <inkml:trace contextRef="#ctx0" brushRef="#br0" timeOffset="200792.5836">15981 17709 0,'17'0'0,"1"-17"15,0 17-15,17-18 0,-17 1 16,17 17-16,0-18 0,-17 18 16,17 0-16,0 0 15,1 0-15</inkml:trace>
+  <inkml:trace contextRef="#ctx0" brushRef="#br0" timeOffset="200792.5835">15981 17709 0,'17'0'0,"1"-17"15,0 17-15,17-18 0,-17 1 16,17 17-16,0-18 0,-17 18 16,17 0-16,0 0 15,1 0-15</inkml:trace>
   <inkml:trace contextRef="#ctx0" brushRef="#br0" timeOffset="201150.7987">16669 17515 0,'17'0'32,"19"0"-17,-19 0-15,19-17 0,-19 17 16,19 0-16,-19 0 15,18 0-15,18 0 16</inkml:trace>
   <inkml:trace contextRef="#ctx0" brushRef="#br0" timeOffset="201349.0464">16792 17339 0,'0'35'16,"0"-70"-16,0 88 0,0-18 0,0-17 0,0 17 15,18 0-15,-18 18 0,0-17 16,0 17-16,18-18 16,-18 0-16,17-17 0,-17-1 15,0 1-15,18 0 0</inkml:trace>
   <inkml:trace contextRef="#ctx0" brushRef="#br0" timeOffset="202422.9478">17339 17392 0,'-35'0'16,"35"18"-1,-18-1-15,0 1 0,18 0 16,-17-1-16,-1 18 0,18 1 15,-17 70-15,17-54 16,0-16-16,17-1 0,1 0 16,17-17-16,-17 0 0,17-18 15,18 0-15,-18 0 16,1-18-16,16-17 0,-16-1 16,-1-17-16,0-52 15,-35 16-15,0 54 16,-17 0-16,-19 17 0,1 1 15,0-1-15,-18 18 16,18 0-16,-1 0 0,1 0 16,0 18-16,17-1 0,0 1 15</inkml:trace>
@@ -287,15 +287,15 @@
   <inkml:trace contextRef="#ctx0" brushRef="#br0" timeOffset="217252.2751">23424 18327 0,'0'0'15,"18"0"-15,17 0 16,1 0-16,17-18 0,-18 1 16,18-1-16,35 0 15,-53 1-15,1 17 16,-19 0-16,-17-18 0</inkml:trace>
   <inkml:trace contextRef="#ctx0" brushRef="#br0" timeOffset="217432.8049">23636 18168 0,'-18'53'15,"36"-106"-15,-36 141 0,18-35 16,0-18-16,0 1 0,0-1 16,18 0-16,-18 1 0,18-19 15,-1 1-15,19-1 0,-19-17 16</inkml:trace>
   <inkml:trace contextRef="#ctx0" brushRef="#br0" timeOffset="217722.1042">24324 17886 0,'0'53'16,"0"-106"-16,18 159 16,-18-71-16,0 18 0,17 0 15,-17 0-15,36 88 16,-36-106-16,17-17 16,-17 17-16,18-17 0,-18-1 15</inkml:trace>
-  <inkml:trace contextRef="#ctx0" brushRef="#br0" timeOffset="218155.9014">24977 18098 0,'17'17'16,"1"-17"-16,0 0 0,17 0 0,0 0 15,0-17-15,18-1 16,-17-17 0,-19 35-16</inkml:trace>
+  <inkml:trace contextRef="#ctx0" brushRef="#br0" timeOffset="218155.9013">24977 18098 0,'17'17'16,"1"-17"-16,0 0 0,17 0 0,0 0 15,0-17-15,18-1 16,-17-17 0,-19 35-16</inkml:trace>
   <inkml:trace contextRef="#ctx0" brushRef="#br0" timeOffset="218285.7327">25047 18344 0,'71'18'16,"-142"-36"-16,177 36 0,-71-36 0,18 1 16,-17 17-16</inkml:trace>
   <inkml:trace contextRef="#ctx0" brushRef="#br0" timeOffset="218923.3451">25682 17868 0,'0'-17'15,"18"17"16,17 0-15,-17 0 0,17 0-16,0-18 0,18 18 15,0 0-15,-18 0 0,18 0 16,-17 0-16,-19 18 0,1-1 16,0 18-16,-36 1 15,0-1-15,-17 18 16,0-18-16,-1 1 0,1 16 15,18-16-15,-1-1 0,18 0 16,18 18 0,17-35-16,0-1 0,71 36 15,-53-35-15,0 0 16,-18-1-16,53 19 16,-70-19-16,0 1 0,-18-1 15,-18-17-15,0 18 0,-17 0 16,0-1-16,-18-17 15,-18 18-15,1-18 0,-1 18 0,18-1 16,-17-17-16,34 0 16,1 18-16,0-18 0,0 0 15</inkml:trace>
-  <inkml:trace contextRef="#ctx0" brushRef="#br0" timeOffset="219814.3842">25806 10777 0,'0'0'0,"17"0"15,19 0-15,17 18 0,17-18 16,36 0-16,17 18 0,1-18 15,35 0-15,-1 0 0,1 0 16,18 0-16,193 0 16,-176 0-16,-35-18 15,-1 18-15,-16 0 0,-37-18 16,-34 18-16</inkml:trace>
+  <inkml:trace contextRef="#ctx0" brushRef="#br0" timeOffset="219814.3841">25806 10777 0,'0'0'0,"17"0"15,19 0-15,17 18 0,17-18 16,36 0-16,17 18 0,1-18 15,35 0-15,-1 0 0,1 0 16,18 0-16,193 0 16,-176 0-16,-35-18 15,-1 18-15,-16 0 0,-37-18 16,-34 18-16</inkml:trace>
   <inkml:trace contextRef="#ctx0" brushRef="#br0" timeOffset="238503.8078">14905 14305 0,'18'-35'15,"-36"70"-15,36-88 16,-1 53-16,-17 18 47,0 0-32,0 17 1,0-18-16,0 1 0,0 17 16,0 1-16,0-19 15,0 19-15,18-19 0,-18 18 16,0 1-16,0-1 0,0 0 15,0 1-15,0 16 0,0-16 16,0 17-16,0 0 16,0 0-16,0-1 0,0 1 15,0 106 1,0-106-16,0 18 16,-18-19-16,18 1 0,0 0 0,0 18 15,0 35 1,0-53-16,0 0 0,-17-1 15,17 1-15,0 0 0,0 0 16,0-18-16,0 18 16,0 18-16,0 0 15,0-36-15,0 0 16,0 36 0,0-36-16,0 53 15,0-53-15,0-17 0,17 0 16,-17-1-16,0 1 0,0 0 15,0-1-15,0 1 16,0-1 0,0 1-1,0 0-15,0-1 16,18 1-16,-18 0 16,0-1-1,17-17 1,-17 18-16,18 0 31,17-18-15,-17 0-16,70 0 15,-53 0 1,1 0-16,17-18 0,-18 18 16,0 0-16,0 0 0,1 0 15,-1 0-15,-17 0 0,17 0 16</inkml:trace>
   <inkml:trace contextRef="#ctx0" brushRef="#br0" timeOffset="239549.4836">20796 14711 0,'18'-18'0,"-36"36"0,36-53 16,-18 52 15,0 18-15,0-17-16,0 17 16,0 18-16,0-17 0,0 17 15,0-1-15,0 1 0,0 18 16,0-18-16,0 17 15,0 19-15,0-19 0,18 18 16,-18 89-16,17-89 16,-17-18-16,35 107 15,-17-36-15,0-70 16,-1-19-16,1 19 16,-18 0-16,18-19 0,-1 19 15,-17-18-15,18 0 0,0 0 16,-18-18-16,17 18 15,1-18-15,-18 1 0,17-1 0,-17 0 16,0 0-16,0-17 16,0 17-16,0-17 15,-17-18-15,17 18 16,-18-18-16,1 0 0,-1-18 16,-17 18-16,-1-18 15,1 1-15,0 17 0,0-18 16,-71 0-1,53 18-15,0 0 0,0 0 16,18 0-16,-54 0 16,54 18-16,18-18 15,-1 0-15</inkml:trace>
   <inkml:trace contextRef="#ctx0" brushRef="#br0" timeOffset="240406.9335">23372 14358 0,'0'-18'16,"0"36"-16,0-53 0,17 52 31,1 36-16,-1-17-15,1 17 16,0 17-16,-18 1 0,17-1 16,1 18-16,-18 1 0,0 16 15,0 1-15,0 0 0,0 247 16,0-36 0,0-52 15,0-106-16,0-89-15,18-17 0,-18 18 0,0 35 16,17-71-16,-17 0 16,18 0-16,-18 1 15,18-1-15,-1-17 0,-17-1 16,18 1-16,-1 0 0,1-1 16,0 1-16,-1-1 0,1 1 15,0-18-15,-1 18 0,54-18 16,-53 0-1,17 0-15,53 0 16,-53-18 0,-17 18-16</inkml:trace>
-  <inkml:trace contextRef="#ctx0" brushRef="#br0" timeOffset="241369.3414">29210 14711 0,'0'-18'31,"18"36"-15,-1 35-1,-17-18-15,0 0 0,18 18 16,0 0-16,-18 18 0,17 87 16,1-69-16,-18 16 15,0-16-15,0 140 16,-18-123-16,18 17 15,0-17-15,0 0 0,0-18 16,0 0-16,18 1 0,-18-1 16,17-18-16,1 1 0,0-1 15,-1-17-15,1 18 0,0-18 16,-1 17-16,1-17 0,0-17 16,-18 16-16,17-34 0,1 17 15,0 18 1,-18-35-1,-18-18 1,-17 0 0,17-18-16,-17 18 0,-1-17 15,1 17-15,-35 0 16,17 0-16,0 0 0,-18 0 16,18 0-16,-17 0 0,-1 17 15,1 1-15,-19 0 16,19-1-16,-18 1 0,17-1 15</inkml:trace>
-  <inkml:trace contextRef="#ctx0" brushRef="#br0" timeOffset="244161.3614">20267 11359 0,'0'0'15,"18"-17"-15,-18 34 47,17 1-31,-17 0-16,0 17 15,0-17-15,0-1 16,0 19-16,18-1 0,-18 0 16,0 53-16,0 1 15,-18-37 1,18 1-16,0 0 0,0 0 0,0 0 15,0-18-15,0 1 16,0-1-16,0 0 0,18-17 16,-18-1-16,35 19 15,-17-36-15,17 17 16,-17-17-16,17 0 0,0 0 16,36 18-16,-36-18 15,1 0-15,-19 0 0,1 18 16,17-18-1,-35 17-15,18-17 0,-36 18 16,0-18 0</inkml:trace>
+  <inkml:trace contextRef="#ctx0" brushRef="#br0" timeOffset="241369.3413">29210 14711 0,'0'-18'31,"18"36"-15,-1 35-1,-17-18-15,0 0 0,18 18 16,0 0-16,-18 18 0,17 87 16,1-69-16,-18 16 15,0-16-15,0 140 16,-18-123-16,18 17 15,0-17-15,0 0 0,0-18 16,0 0-16,18 1 0,-18-1 16,17-18-16,1 1 0,0-1 15,-1-17-15,1 18 0,0-18 16,-1 17-16,1-17 0,0-17 16,-18 16-16,17-34 0,1 17 15,0 18 1,-18-35-1,-18-18 1,-17 0 0,17-18-16,-17 18 0,-1-17 15,1 17-15,-35 0 16,17 0-16,0 0 0,-18 0 16,18 0-16,-17 0 0,-1 17 15,1 1-15,-19 0 16,19-1-16,-18 1 0,17-1 15</inkml:trace>
+  <inkml:trace contextRef="#ctx0" brushRef="#br0" timeOffset="244161.3613">20267 11359 0,'0'0'15,"18"-17"-15,-18 34 47,17 1-31,-17 0-16,0 17 15,0-17-15,0-1 16,0 19-16,18-1 0,-18 0 16,0 53-16,0 1 15,-18-37 1,18 1-16,0 0 0,0 0 0,0 0 15,0-18-15,0 1 16,0-1-16,0 0 0,18-17 16,-18-1-16,35 19 15,-17-36-15,17 17 16,-17-17-16,17 0 0,0 0 16,36 18-16,-36-18 15,1 0-15,-19 0 0,1 18 16,17-18-1,-35 17-15,18-17 0,-36 18 16,0-18 0</inkml:trace>
   <inkml:trace contextRef="#ctx0" brushRef="#br0" timeOffset="244823.0399">20796 11695 0,'0'-18'0,"18"0"16,52 1 0,1 17-1,-36 0 1,1 17-16,16 19 15,-34 17 1,-18-36 0,-18 36-16,1-35 15,17-1-15,-18 1 0,1 0 16,17-1-16,-18 1 0,0 0 16,18-1-16,0 1 0,0-1 15,18 1 1,0-18-1,-1 18-15,1-18 0,-1 0 16,1 17 0,0-17-16,-36 0 31,-35-17-15</inkml:trace>
   <inkml:trace contextRef="#ctx0" brushRef="#br0" timeOffset="244977.553">20832 11959 0,'17'-17'16,"1"17"-1,52-18 1,-34 18-16,34-18 16,-35 18-16,1 0 0,-1 0 0,0 0 15,1-17 1</inkml:trace>
   <inkml:trace contextRef="#ctx0" brushRef="#br0" timeOffset="245400.3123">21467 11448 0,'17'-18'31,"-34"36"-31,34-18 32,-17 70-17,0-35 1,18 1-16,-18 70 15,17-36-15,1-17 0,0 18 16,-1-1-16,1-17 0,0 0 16,-1 0-16,-17 0 0,18-18 15,-18 0-15,0 1 16,0-19-16,-18 1 0,1 0 16,-1-18-16,0 0 0,-17 0 15,17 0-15,-17-18 0,0 0 16,0 18-16,17-17 0,-17-1 15,-1 0-15,19 1 0,-18 17 16,17 0-16,0 0 16</inkml:trace>
@@ -353,7 +353,7 @@
   <inkml:trace contextRef="#ctx0" brushRef="#br0" timeOffset="27231.6661">3898 11165 0,'35'247'16,"-70"-494"-16,88 583 0,-53-284 15,18 19-15,-18-18 0,35 18 16,-17-54-1</inkml:trace>
   <inkml:trace contextRef="#ctx0" brushRef="#br0" timeOffset="27732.0884">5521 10936 0,'-53'0'15,"106"0"-15,-141 0 0,35 53 16,18-18-16,35 1 0,-18-1 15,18 0-15,35 36 16,-17-36-16,17-17 0,0 17 16,-17-17-16,17-1 15,18 36-15,-35-35 16,0 17-16,-18-17 16,-36 17-1,1-35-15,17 18 0,-35-18 16,36 0-16,-1-18 15</inkml:trace>
   <inkml:trace contextRef="#ctx0" brushRef="#br0" timeOffset="27873.8359">5803 11430 0,'18'71'0,"-36"-142"16,36 159-16,-18-70 0,17-1 0,-17 1 15,18-18-15,-18-18 16</inkml:trace>
-  <inkml:trace contextRef="#ctx0" brushRef="#br0" timeOffset="28001.1397">5697 10971 0,'18'-17'0,"0"17"16</inkml:trace>
+  <inkml:trace contextRef="#ctx0" brushRef="#br0" timeOffset="28001.1396">5697 10971 0,'18'-17'0,"0"17"16</inkml:trace>
   <inkml:trace contextRef="#ctx0" brushRef="#br0" timeOffset="28438.3518">6015 11254 0,'18'17'16,"-1"-17"-16,1 18 16,17 0-16,-17-18 15,-1 17-15,19 1 16,-36-1-16,0 1 16,0 0-1,-18-1 1,18 19-16,0-19 15,35 19 1,1-19-16,16-17 0,-16 0 16,17-17-16,0-19 15,-18 19-15,-18-19 0,1 1 16,-18 17 0,0-17-1,-18 35-15,1 0 0,-18 0 16,35 18-16,-18-1 0,18 1 15,0 53 1,18-54-16,17 1 0,35 17 16,-17-35-16,18 0 15,-18 0-15,0-17 0,17-19 16,-34 19-16,-19-19 16</inkml:trace>
   <inkml:trace contextRef="#ctx0" brushRef="#br0" timeOffset="28595.6348">7038 10883 0,'18'35'15,"-18"-17"-15,0 0 0,17 35 16</inkml:trace>
   <inkml:trace contextRef="#ctx0" brushRef="#br0" timeOffset="28695.5484">7179 11377 0,'0'0'16,"0"-18"-16</inkml:trace>
@@ -393,7 +393,7 @@
   <inkml:trace contextRef="#ctx0" brushRef="#br0" timeOffset="5729.5154">13811 9402 0,'0'0'0,"-17"17"0,17 1 16,-18-18-16,18-18 16,35-35-1,-17 18-15,17-18 16,18-70 0,-35 70-16,-1 0 0,1 0 15,0 18-15,17-18 16,-35 35-16,18 36 15,-1 17 1,1 0-16,-1 0 0,19-17 16,-19 17-16,19 1 0,-1-19 15</inkml:trace>
   <inkml:trace contextRef="#ctx0" brushRef="#br0" timeOffset="18534.4752">15152 9172 0,'-35'0'15,"70"0"-15,-106 0 0,54 0 16,-36 0-16,-18 18 16,36 0-16,0-1 15,-1 1-15,1-1 0,0 19 0,-18 52 16,18-35-1,-1 70-15,36-52 16,-17-1-16,17-17 16,17 18-16,19-1 0,-1-17 0,35 53 15,-17-53 1,0-18-16,18-17 0,52 17 16,-52-35-16,-1 0 15,1-17-15,-1-1 0,1-17 16,53-36-1,-89 18-15,0 0 0,-17 0 16,-1-17-16,-17-71 16,-35 70-16,17 1 0,-34-19 15,-1 19-15,-71-71 16,36 106-16,17-1 0,1 19 16,-18 17-16,35 0 0,-18 53 15,36-36 1</inkml:trace>
   <inkml:trace contextRef="#ctx0" brushRef="#br0" timeOffset="19494.8849">16404 17410 0,'-17'-18'16,"34"36"-16,-34-54 0,34 36 15,18 0 1,-17 0-16,17 0 0,18 0 16,-35 18-16,0-18 15,-1 18-15,1-1 0,-1 36 16,-17-35-16,-17 17 15,17 0-15,-18 54 16,1-37-16,17-16 0,0 17 16,17-18-1,1-17-15,17-1 16,-17-17-16,17 18 0,-17-1 0,17 19 16,-35-19-16,0 19 15,-35 34-15,-1-34 16,19-1-16,-36 0 15,18 0-15,17-17 0,-53 17 16,54-17-16,-19-18 16,19 0-16,-1-18 15,1 1-15,17-1 16</inkml:trace>
-  <inkml:trace contextRef="#ctx0" brushRef="#br0" timeOffset="20565.1896">16475 9260 0,'-53'-17'16,"18"34"-16,-1 1 16,1 0-16,0 17 0,17 0 15,-17 1-15,35 16 0,-18 19 16,18 0-16,0-19 0,71 107 16,-36-106-16,18 18 15,0-1-15,0-17 16,0 0-16,158 35 15,-140-88-15,-1-17 16,72-36 0,-90 0-16,19-18 0,-36 1 0,1-1 15,-19-17-15,-34-71 16,-19 89-16,-17-19 16,-17 19-16,-1-1 0,-123-17 15,106 71-15,0 17 16,17 0-16,-70 52 15,106-16-15,-18 17 0</inkml:trace>
+  <inkml:trace contextRef="#ctx0" brushRef="#br0" timeOffset="20565.1895">16475 9260 0,'-53'-17'16,"18"34"-16,-1 1 16,1 0-16,0 17 0,17 0 15,-17 1-15,35 16 0,-18 19 16,18 0-16,0-19 0,71 107 16,-36-106-16,18 18 15,0-1-15,0-17 16,0 0-16,158 35 15,-140-88-15,-1-17 16,72-36 0,-90 0-16,19-18 0,-36 1 0,1-1 15,-19-17-15,-34-71 16,-19 89-16,-17-19 16,-17 19-16,-1-1 0,-123-17 15,106 71-15,0 17 16,17 0-16,-70 52 15,106-16-15,-18 17 0</inkml:trace>
   <inkml:trace contextRef="#ctx0" brushRef="#br0" timeOffset="21271.9276">16475 15928 0,'0'18'16,"-18"-1"0,0 18-1,18 1-15,-17 52 16,17-35-16,0-18 15,17 36 1,1-54-16,0 1 0,17 0 0,0-1 16,1-17-16,52 0 15,-35 0-15,0-17 0,-18 17 16,0-18-16,0 0 16,-17 18-16,-18-17 15</inkml:trace>
   <inkml:trace contextRef="#ctx0" brushRef="#br0" timeOffset="21439.8417">16722 16140 0,'0'88'16,"0"-18"-16,0 54 15,0-71-15,17 0 16,-17 0-16,18 52 15,0-69-15,-18-19 0</inkml:trace>
   <inkml:trace contextRef="#ctx0" brushRef="#br0" timeOffset="22567.1803">18150 9172 0,'-35'-17'16,"70"34"-16,-105-34 0,52 17 0,-35 0 15,18 0-15,-53 53 16,35-18-16,-88 106 16,106-88-16,-1 17 15,19 1-15,-19 17 0,36 53 16,18-53 0,0-17-16,17-18 0,71 70 15,-36-70-15,1-17 16,17-1-16,-17-18 0,87-17 15,-69-17-15,-19-1 16,18-17-16,-17-18 0,-18 0 16,0-17-16,-18-1 15,-17-70 1,-18 70-16,-53-70 0,17 53 16,-17 17-16,1 1 0,-90-18 15,72 52 1,-1 19-16,1-1 0,-18 18 15,52 0-15,1 18 16</inkml:trace>
@@ -408,7 +408,7 @@
   <inkml:trace contextRef="#ctx0" brushRef="#br0" timeOffset="32451.6947">13317 14711 0,'-17'0'15,"34"0"1,19-18 0,-1 1-16,0-1 15,0 0-15,1 1 0,-1 17 16,0-18-16,1 18 0,-1-18 15,-17 18-15,-1 0 0,-17 18 32,-17 53-17,17-19-15,0 37 16,0-19 0,0-17-16,17 0 0,1 0 15,-1 0-15,36 35 16,-35-70-16,17 17 15,-17-35-15</inkml:trace>
   <inkml:trace contextRef="#ctx0" brushRef="#br0" timeOffset="32613.8188">13494 15028 0,'0'0'0,"35"0"0,18-17 16,70-19-16,-34 19 16,87-36-16,-105 18 15,-19 17-15,-16 18 0</inkml:trace>
   <inkml:trace contextRef="#ctx0" brushRef="#br0" timeOffset="34179.2578">14676 13406 0,'35'-18'16,"-18"0"-16,1 18 0,0-17 15,-18 34 16,-53 19-31,18-1 16,-18 0-16,-53 36 16,53-18-16,-18-36 0,18 19 15,18-1-15,-35 18 16,52-36-16,18 1 16,18 17-16,17-17 0,18 0 15,106-1 1,-89-17-16,18 18 0,-17-18 0,-1 0 15</inkml:trace>
-  <inkml:trace contextRef="#ctx0" brushRef="#br0" timeOffset="56731.6457">2999 7214 0,'-18'-17'16,"36"-1"31,35 18-47,-18 0 15,-18-18-15,19 18 0,34 0 16,-52 0-16,17 0 16,-17 18-16,-1 0 31,-17 17-31,0 0 16,-17-17-16,17 17 0,0 0 15,0 18-15,0 0 16,0-17-16,17-19 0,1 18 15,-18-17-15,18 17 16,-1-35-16,1 18 16,0 0-16</inkml:trace>
+  <inkml:trace contextRef="#ctx0" brushRef="#br0" timeOffset="56731.6456">2999 7214 0,'-18'-17'16,"36"-1"31,35 18-47,-18 0 15,-18-18-15,19 18 0,34 0 16,-52 0-16,17 0 16,-17 18-16,-1 0 31,-17 17-31,0 0 16,-17-17-16,17 17 0,0 0 15,0 18-15,0 0 16,0-17-16,17-19 0,1 18 15,-18-17-15,18 17 16,-1-35-16,1 18 16,0 0-16</inkml:trace>
   <inkml:trace contextRef="#ctx0" brushRef="#br0" timeOffset="56885.635">3087 7444 0,'17'0'0,"1"0"16,70-18-1,-35 0-15,53-17 16,-53 35-16,-18-18 0,1 18 16,-1 0-16</inkml:trace>
   <inkml:trace contextRef="#ctx0" brushRef="#br0" timeOffset="63060.8105">4516 7126 0,'-18'0'16,"0"0"0,36-18-1,0 18-15,34 0 16,-16 0-16,-19 0 16,36 36-16,-17-1 15,-36-17-15,17 88 16,-17-18-1,-17-53-15,-1 0 16,-17 18-16,35-35 16,-18-1-16,18 1 0,-18-18 15,36 0 1,0 0 0,17 0-16,-17 0 0,-1 0 15,19 0-15,-19 0 0,36 0 16,-35 0-16,-1 18 15,1-18-15</inkml:trace>
   <inkml:trace contextRef="#ctx0" brushRef="#br0" timeOffset="64350.3027">5980 7161 0,'17'0'31,"19"0"-15,-19-17-16,1 17 15,-1 0-15,1 0 16,0 0-16,-36 0 31,0 17-15,18 1-16,-17-18 0</inkml:trace>
@@ -416,10 +416,10 @@
   <inkml:trace contextRef="#ctx0" brushRef="#br0" timeOffset="67260.6927">3351 8537 0,'0'-17'15,"-17"-1"1,-1 0 0,0 18-16,-17 0 15,0 0-15,17 36 16,-17-19-16,17 1 0,-35 52 15,36-34-15,17 17 16,0-36-16,0 1 16,17 0-16,1-18 0,0 17 15,17-34 1,-17 17-16,-1-18 0,1-17 16,0 17-16,-1-53 15,-17 54-15,0-1 16,-17 18-1,17 71 1,0 87 0,0-52-1,0-53-15,17-18 0,1 36 16,-1-36-16,-17-17 16</inkml:trace>
   <inkml:trace contextRef="#ctx0" brushRef="#br0" timeOffset="67881.1834">4604 8625 0,'0'-35'16,"0"70"-16,0-87 0,0 34 15,-18 18 1,18 18-16,-35 17 16,17 71-1,18-36 1,18-52-16,17 35 16,-17-36-16,-1-17 15,19 0-15,-1 0 0,18-35 16,-35 17-16,-1-17 15,-17 0-15,0 17 0,-17-52 16,-19 52-16,1 0 16,-36 1-1,36 17-15,0 0 0,17 0 16,-17 17-16,17 1 0,18 0 16</inkml:trace>
   <inkml:trace contextRef="#ctx0" brushRef="#br0" timeOffset="68447.8545">6033 8484 0,'0'-17'15,"0"34"-15,-18-34 0,0 34 16,1 54 15,-1-36-31,18 0 0,0 1 16,0-19-16,18 54 16,-1-53-16,54-1 15,-54 1-15,19-18 16,17-18-1,-18 18-15,-17 0 0,-1-17 16,-17-1-16</inkml:trace>
-  <inkml:trace contextRef="#ctx0" brushRef="#br0" timeOffset="68596.7038">6138 8678 0,'0'71'16,"0"-142"-16,0 177 0,-17-53 15,17 0-15,0-18 16,0 18-16,0 18 0,0-18 16,0-18-16,-18 18 0</inkml:trace>
+  <inkml:trace contextRef="#ctx0" brushRef="#br0" timeOffset="68596.7037">6138 8678 0,'0'71'16,"0"-142"-16,0 177 0,-17-53 15,17 0-15,0-18 16,0 18-16,0 18 0,0-18 16,0-18-16,-18 18 0</inkml:trace>
   <inkml:trace contextRef="#ctx0" brushRef="#br0" timeOffset="69879.7386">2893 10001 0,'17'0'15,"19"0"1,-1 0 0,0 0-16,1-17 0,-1 17 15,-18 0-15,19 0 0,-1 0 16</inkml:trace>
   <inkml:trace contextRef="#ctx0" brushRef="#br0" timeOffset="70054.6785">3263 9843 0,'0'0'16,"0"35"-16,0 0 0,-17 0 16,17-17-16,0 17 0,0 53 15,0-70-15,0 17 16,17-17-16,-17 17 15,0-17-15</inkml:trace>
-  <inkml:trace contextRef="#ctx0" brushRef="#br0" timeOffset="70689.7626">4692 9878 0,'0'0'15,"0"17"1,-18 54 0,18-36-16,0 1 15,0 16-15,0 19 16,0-36-16,0-17 0,0 17 15,18-17-15,-18-1 0</inkml:trace>
+  <inkml:trace contextRef="#ctx0" brushRef="#br0" timeOffset="70689.7625">4692 9878 0,'0'0'15,"0"17"1,-18 54 0,18-36-16,0 1 15,0 16-15,0 19 16,0-36-16,0-17 0,0 17 15,18-17-15,-18-1 0</inkml:trace>
   <inkml:trace contextRef="#ctx0" brushRef="#br0" timeOffset="71510.0778">5927 9913 0,'-18'-18'15,"0"18"-15,36 0 47,0 0-31,-1 0-16,1 0 0,0 0 15,-1 18-15,1 0 16,-18-1-16,0 19 16,-18-1-1,18-17-15,-17 17 0,17-18 0,0 1 16,0 0-16,0-1 0,35 19 16,-17-19-1,-1-17-15,18 18 0,-17-18 16,0 18-16,-1-18 0,-17 17 15,0 1 1,-53-1 0,18 1-16,18 0 0,-19-1 15,1-17-15,17 18 0,1 0 16,-19-1-16,36 1 16</inkml:trace>
   <inkml:trace contextRef="#ctx0" brushRef="#br0" timeOffset="75976.6416">21343 10654 0,'18'18'31,"17"-18"-15,0 0-16,1 0 0,52 0 15,-35 0-15,0-18 16,-18 18-16,0 0 0,-17 0 16,17 18-1,-17-18-15</inkml:trace>
   <inkml:trace contextRef="#ctx0" brushRef="#br0" timeOffset="76115.2702">21431 11077 0,'36'36'0,"-72"-72"0,107 89 16,-36-53-16,0 0 0,54-17 15,-37-1-15</inkml:trace>
@@ -435,7 +435,7 @@
   <inkml:trace contextRef="#ctx0" brushRef="#br0" timeOffset="82927.4797">24201 9878 0,'0'35'16,"0"-70"-16,0 88 0,0-36 0,0 19 16,17-19-16,-17 1 15,35 52 1,-17 36-16,-18-35 15,0 17-15,0 36 0,-18 158 16,1-106-16,-36 177 16,35-159-1,1-35-15,17-1 0,-18 1 16,18-18-16,0 18 0,0-18 0,18 106 16,-1-141-1,19 53-15,-19-71 16,1-35-16,-1 0 15,-17-18-15</inkml:trace>
   <inkml:trace contextRef="#ctx0" brushRef="#br0" timeOffset="83548.55">25224 8802 0,'0'0'16,"17"0"-16,1 53 15,0 70 1,-1-52-16,-17 35 16,18 176-16,-18-123 15,0 35-15,0 0 0,-18 229 16,1 0-1,17-211-15,0-18 16,0 0-16,35 141 16,-18-194-16,1 0 0,17-17 15,18 105 1,-35-123-16,17-35 0,-17 17 16,17 35-16,-17-88 0,-18 1 15,0-1-15,17-17 16,-34-1-16</inkml:trace>
   <inkml:trace contextRef="#ctx0" brushRef="#br0" timeOffset="84070.249">26458 8890 0,'0'-18'0,"0"36"0,0-18 31,18 53-16,-18 0-15,18 17 0,-18 36 0,17 35 16,-17 0-16,0 265 16,-17-159-16,-1-18 15,0 18-15,1 159 16,-1-212-16,18-18 0,0-17 16,18 106-1,-1-142-15,1 1 0,0-1 16,-1-17-16,19-18 0,-1 89 15,-18-107-15,1 1 16</inkml:trace>
-  <inkml:trace contextRef="#ctx0" brushRef="#br0" timeOffset="87276.9532">6297 6668 0,'-18'-36'0,"1"19"15,17-1-15,0-17 0,0 17 16,17-35-16,1 18 16,0 0-16,17-1 0,18 1 15,-18 17-15,36 18 16,-36 0-16,18 18 15,-18 17-15,1-17 0,69 88 32,-69-71-32,-1 0 0,0 18 15,-17-17-15,-1-1 16,-17 0-16,18 18 16,-18-35-16,0-1 15,0 1-15</inkml:trace>
+  <inkml:trace contextRef="#ctx0" brushRef="#br0" timeOffset="87276.9531">6297 6668 0,'-18'-36'0,"1"19"15,17-1-15,0-17 0,0 17 16,17-35-16,1 18 16,0 0-16,17-1 0,18 1 15,-18 17-15,36 18 16,-36 0-16,18 18 15,-18 17-15,1-17 0,69 88 32,-69-71-32,-1 0 0,0 18 15,-17-17-15,-1-1 16,-17 0-16,18 18 16,-18-35-16,0-1 15,0 1-15</inkml:trace>
   <inkml:trace contextRef="#ctx0" brushRef="#br0" timeOffset="87471.8967">6720 6809 0,'18'35'16,"-36"-70"-16,71 88 0,-35-36 0,0-17 15,17 0-15,0 0 16,0-17-16,1 17 0,-1-36 15,0 19-15,-17-1 0,0 0 16,-18-17-16,17 0 16,-17 17-16,-17 18 15</inkml:trace>
   <inkml:trace contextRef="#ctx0" brushRef="#br0" timeOffset="87949.8491">7655 6773 0,'0'-17'15,"18"-1"-15,-18-17 16,35-18-1,-17 18-15,17-18 0,0 17 16,1 1-16,17-18 0,-18 18 16,88-18-16,-70 18 15,35 35 1,-35 0-16,-17 17 0,-1 1 16,18 53-16,-36-36 15,1 18-15,0-18 0,-1 0 16,1 1-16,0-1 0,-1 18 15,1-53-15,-18 17 16,18-17-16</inkml:trace>
   <inkml:trace contextRef="#ctx0" brushRef="#br0" timeOffset="88140.1945">8237 6738 0,'18'53'15,"-36"-106"-15,54 124 0,-1-54 16,0 1-16,0-18 0,18-18 16,0 1-16,36-19 15,-37 19-15,-16-19 16,-1 19-16,-17-1 0,-1 1 0,1-19 16</inkml:trace>
@@ -443,9 +443,9 @@
   <inkml:trace contextRef="#ctx0" brushRef="#br0" timeOffset="175606.7464">22966 14693 0,'-18'0'15,"18"-17"-15,-17 17 16,-1 0 15,18 35-15,-18 0-16,1 18 0,-1 53 16,18-36-16,-18 72 15,18-72-15,0 54 16,0-72-16,18 19 15,0-18-15,-1-18 0,1 36 16,0-54-16,-1 1 16,1-18-16,-1 18 0,1-36 15</inkml:trace>
   <inkml:trace contextRef="#ctx0" brushRef="#br0" timeOffset="176072.7974">23248 15046 0,'0'18'15,"0"-36"-15,18 53 0,-18 1 16,0-1-16,0 0 0,17 71 15,-17-18 1,-17-53-16,17 1 16,0-1-16,0-17 15,0-54 1,0-34 0,0 17-16,17 0 15,1 0-15,0-18 16,-1 19-16,19-72 0,-1 89 15,0 0-15,18-1 16,-35 19-16,17 34 16,-17 19-16,-18-1 15,17 0-15,-17 71 16,18-53-16,-18 0 0,17 53 16,-17-71-16,0 0 15,18 53 1,-18-70-16,18 17 0,-18-17 15,0 0-15</inkml:trace>
   <inkml:trace contextRef="#ctx0" brushRef="#br0" timeOffset="176235.1165">23319 15293 0,'17'0'15,"1"0"-15,17 0 16,0 0-16,1 0 0,70 0 16,-71 0-16,53-18 15,-53 18-15</inkml:trace>
-  <inkml:trace contextRef="#ctx0" brushRef="#br0" timeOffset="176442.0891">23936 15187 0,'71'-18'16,"-142"36"-16,177-53 0,-71 35 0,18 0 16,-18 0-1,1 0-15,-19 0 0,1 0 16,-1 0-16</inkml:trace>
+  <inkml:trace contextRef="#ctx0" brushRef="#br0" timeOffset="176442.089">23936 15187 0,'71'-18'16,"-142"36"-16,177-53 0,-71 35 0,18 0 16,-18 0-1,1 0-15,-19 0 0,1 0 16,-1 0-16</inkml:trace>
   <inkml:trace contextRef="#ctx0" brushRef="#br0" timeOffset="176615.05">24236 15028 0,'0'0'15,"-53"53"1,35-17-16,-17-1 0,0 18 15,17-18-15,0 0 16,1 1-16,17-19 16,0-34-1,-18-1 1</inkml:trace>
-  <inkml:trace contextRef="#ctx0" brushRef="#br0" timeOffset="176757.9543">24042 15028 0,'0'0'16,"35"53"-16,-17-17 16,-1-1-16,1 0 0,17 0 15,1 1-15,34 17 16,-35-18-16,1 0 0,-1-17 16</inkml:trace>
+  <inkml:trace contextRef="#ctx0" brushRef="#br0" timeOffset="176757.9542">24042 15028 0,'0'0'16,"35"53"-16,-17-17 16,-1-1-16,1 0 0,17 0 15,1 1-15,34 17 16,-35-18-16,1 0 0,-1-17 16</inkml:trace>
   <inkml:trace contextRef="#ctx0" brushRef="#br0" timeOffset="177300.527">24624 14975 0,'0'0'15,"18"36"-15,-1 17 0,1-18 0,17 35 16,0-34 0,-17-1-16,0 0 0,-1-17 15,1 0-15,-36-54 32,18 1-32,-17 0 0,-19-53 15,36 52 1,-17-17-16,17-52 15,0 69-15,53 1 16,-36 35-16,19 0 0,16 18 16,-16-1-16,-1 36 15,-35-18-15,0 1 16,0 17 0,0-18-16,-18-17 0,18 17 15,0-18-15,0 36 16,18-35-1,0 17-15,-1-17 16,1 0-16,17 17 0,-17-18 0,0 1 16,-18 17-1,0-17-15,-18 0 16,-35-18 0,18-18-16,17 18 0,-35-18 15,35 1 1,36-1-16</inkml:trace>
   <inkml:trace contextRef="#ctx0" brushRef="#br0" timeOffset="177540.3111">25224 14534 0,'70'53'16,"-140"-106"-16,175 159 0,-52-53 16,18 71-16,-18-54 15,-18 18-15,-17-17 16,-18 17-16,0-17 0,0 17 0,-53 53 16,18-88-1,-1 18-15,-17-19 0,0-16 16,1-1-16</inkml:trace>
   <inkml:trace contextRef="#ctx0" brushRef="#br0" timeOffset="178380.8921">25947 15117 0,'17'0'15,"19"0"-15,52 0 16,-18 0-16,54-18 16,-71 0-1,0 18-15,17-17 16,-34-1-16</inkml:trace>
@@ -455,8 +455,8 @@
   <inkml:trace contextRef="#ctx0" brushRef="#br0" timeOffset="179977.3749">28310 15011 0,'36'0'0,"-72"0"0,107-18 15,17 18-15,-35 0 16,35 0 0,-52 0-16,-19 0 0,1 18 15</inkml:trace>
   <inkml:trace contextRef="#ctx0" brushRef="#br0" timeOffset="180103.9784">28346 15275 0,'106'0'16,"-212"0"-16,282 0 16,-123 0-16,53-17 15,-71 17-15</inkml:trace>
   <inkml:trace contextRef="#ctx0" brushRef="#br0" timeOffset="181324.1478">29528 14799 0,'0'0'0,"17"0"0,-17 18 31,0 88-15,0 35 0,-17-71-16,17 54 0,-18-54 15,18-17-15,-18 18 16,18-54-16,-17 1 16,17 0-16,17-36 15,-17-17-15,18-54 16,17-16-1,0 34-15,1-70 16,-1 70-16,-17 19 0,35-37 16,-18 54-1,-18 35-15,1 0 16,0 53-16,-18 0 16,17 17-16,-17-17 0,18 71 15,-18-54-15,18 36 16,-1-53-16,-17-18 15,0 1-15,-17 17 16</inkml:trace>
-  <inkml:trace contextRef="#ctx0" brushRef="#br0" timeOffset="181468.021">29616 15222 0,'53'0'15,"-106"0"-15,141-17 0,-53 17 0,71 0 16,-53 0 0,0 17-16,-18-17 0</inkml:trace>
-  <inkml:trace contextRef="#ctx0" brushRef="#br0" timeOffset="181754.9549">30215 15081 0,'71'-17'16,"-142"34"-16,195-34 0,-71-1 15,0 18-15,-18 0 0,36 0 16,-54 0-16,1 0 16,-36 18-1,-17 17 1,0 0-16,17-17 0,-17 17 15,17-17-15,0-1 16,1 1-16,17 0 16,-18-1-16,18 1 0,0 0 15,-17-18 1,-1-18 0</inkml:trace>
+  <inkml:trace contextRef="#ctx0" brushRef="#br0" timeOffset="181468.0209">29616 15222 0,'53'0'15,"-106"0"-15,141-17 0,-53 17 0,71 0 16,-53 0 0,0 17-16,-18-17 0</inkml:trace>
+  <inkml:trace contextRef="#ctx0" brushRef="#br0" timeOffset="181754.9548">30215 15081 0,'71'-17'16,"-142"34"-16,195-34 0,-71-1 15,0 18-15,-18 0 0,36 0 16,-54 0-16,1 0 16,-36 18-1,-17 17 1,0 0-16,17-17 0,-17 17 15,17-17-15,0-1 16,1 1-16,17 0 16,-18-1-16,18 1 0,0 0 15,-17-18 1,-1-18 0</inkml:trace>
   <inkml:trace contextRef="#ctx0" brushRef="#br0" timeOffset="181901.31">30198 15028 0,'53'0'16,"-18"18"-16,0 17 0,18 1 0,0-19 15,35 54 1,-35-36-16,-18 0 0,18 18 16,-17-18-16,-36-17 15,0 0-15</inkml:trace>
   <inkml:trace contextRef="#ctx0" brushRef="#br0" timeOffset="182552.9033">31080 14993 0,'-18'53'15,"36"-106"-15,-36 141 16,18-52-16,18 34 16,-1-52-16,-17-1 15,18-17-15,0 0 0,-1-35 16,-17 0-16,18-53 16,-18 35-1,0 0-15,18 0 0,-18 18 16,17-18-16,1 35 0,-1-17 15,1 17-15,0 18 0,17 0 16,0 18-16,-17 17 16,0 18-1,-18-18-15,0 1 0,-18-1 16,0-18-16,1 19 0,-1 17 16,0-18-16,18-17 15,-17 17-15,34 0 16,1-17-16,0 35 15,-1-36-15,19 19 16,-36-19-16,17 1 16,-34-18-16,17 17 15,-36-17-15,19 0 16,-1 0-16,0 0 16,1-17-16,-1 17 0,36 0 31,17 0-16</inkml:trace>
   <inkml:trace contextRef="#ctx0" brushRef="#br0" timeOffset="182725.0339">31644 15152 0,'53'0'16,"0"0"-16,0 0 0,70 0 15,-70 0 1,0-18-16,-17 18 0,-1 0 16,0-17-16,-17 17 15</inkml:trace>
@@ -550,7 +550,7 @@
           <a:p>
             <a:fld id="{7627361B-9EE3-994B-868D-94E57ECC4CDF}" type="datetimeFigureOut">
               <a:rPr lang="en-US" smtClean="0"/>
-              <a:t>10/8/2017</a:t>
+              <a:t>4/20/2018</a:t>
             </a:fld>
             <a:endParaRPr lang="en-US"/>
           </a:p>
@@ -946,7 +946,7 @@
           <a:p>
             <a:fld id="{456513CB-B5C6-794C-B9FC-914286F7D4D4}" type="datetimeFigureOut">
               <a:rPr lang="en-US" smtClean="0"/>
-              <a:t>10/8/2017</a:t>
+              <a:t>4/20/2018</a:t>
             </a:fld>
             <a:endParaRPr lang="en-US"/>
           </a:p>
@@ -1114,7 +1114,7 @@
           <a:p>
             <a:fld id="{456513CB-B5C6-794C-B9FC-914286F7D4D4}" type="datetimeFigureOut">
               <a:rPr lang="en-US" smtClean="0"/>
-              <a:t>10/8/2017</a:t>
+              <a:t>4/20/2018</a:t>
             </a:fld>
             <a:endParaRPr lang="en-US"/>
           </a:p>
@@ -1292,7 +1292,7 @@
           <a:p>
             <a:fld id="{456513CB-B5C6-794C-B9FC-914286F7D4D4}" type="datetimeFigureOut">
               <a:rPr lang="en-US" smtClean="0"/>
-              <a:t>10/8/2017</a:t>
+              <a:t>4/20/2018</a:t>
             </a:fld>
             <a:endParaRPr lang="en-US"/>
           </a:p>
@@ -1473,7 +1473,7 @@
           <a:p>
             <a:fld id="{456513CB-B5C6-794C-B9FC-914286F7D4D4}" type="datetimeFigureOut">
               <a:rPr lang="en-US" smtClean="0"/>
-              <a:t>10/8/2017</a:t>
+              <a:t>4/20/2018</a:t>
             </a:fld>
             <a:endParaRPr lang="en-US"/>
           </a:p>
@@ -1747,7 +1747,7 @@
           <a:p>
             <a:fld id="{456513CB-B5C6-794C-B9FC-914286F7D4D4}" type="datetimeFigureOut">
               <a:rPr lang="en-US" smtClean="0"/>
-              <a:t>10/8/2017</a:t>
+              <a:t>4/20/2018</a:t>
             </a:fld>
             <a:endParaRPr lang="en-US"/>
           </a:p>
@@ -1976,7 +1976,7 @@
           <a:p>
             <a:fld id="{456513CB-B5C6-794C-B9FC-914286F7D4D4}" type="datetimeFigureOut">
               <a:rPr lang="en-US" smtClean="0"/>
-              <a:t>10/8/2017</a:t>
+              <a:t>4/20/2018</a:t>
             </a:fld>
             <a:endParaRPr lang="en-US"/>
           </a:p>
@@ -2340,7 +2340,7 @@
           <a:p>
             <a:fld id="{456513CB-B5C6-794C-B9FC-914286F7D4D4}" type="datetimeFigureOut">
               <a:rPr lang="en-US" smtClean="0"/>
-              <a:t>10/8/2017</a:t>
+              <a:t>4/20/2018</a:t>
             </a:fld>
             <a:endParaRPr lang="en-US"/>
           </a:p>
@@ -2457,7 +2457,7 @@
           <a:p>
             <a:fld id="{456513CB-B5C6-794C-B9FC-914286F7D4D4}" type="datetimeFigureOut">
               <a:rPr lang="en-US" smtClean="0"/>
-              <a:t>10/8/2017</a:t>
+              <a:t>4/20/2018</a:t>
             </a:fld>
             <a:endParaRPr lang="en-US"/>
           </a:p>
@@ -2552,7 +2552,7 @@
           <a:p>
             <a:fld id="{456513CB-B5C6-794C-B9FC-914286F7D4D4}" type="datetimeFigureOut">
               <a:rPr lang="en-US" smtClean="0"/>
-              <a:t>10/8/2017</a:t>
+              <a:t>4/20/2018</a:t>
             </a:fld>
             <a:endParaRPr lang="en-US"/>
           </a:p>
@@ -2827,7 +2827,7 @@
           <a:p>
             <a:fld id="{456513CB-B5C6-794C-B9FC-914286F7D4D4}" type="datetimeFigureOut">
               <a:rPr lang="en-US" smtClean="0"/>
-              <a:t>10/8/2017</a:t>
+              <a:t>4/20/2018</a:t>
             </a:fld>
             <a:endParaRPr lang="en-US"/>
           </a:p>
@@ -3079,7 +3079,7 @@
           <a:p>
             <a:fld id="{456513CB-B5C6-794C-B9FC-914286F7D4D4}" type="datetimeFigureOut">
               <a:rPr lang="en-US" smtClean="0"/>
-              <a:t>10/8/2017</a:t>
+              <a:t>4/20/2018</a:t>
             </a:fld>
             <a:endParaRPr lang="en-US"/>
           </a:p>
@@ -3290,7 +3290,7 @@
           <a:p>
             <a:fld id="{456513CB-B5C6-794C-B9FC-914286F7D4D4}" type="datetimeFigureOut">
               <a:rPr lang="en-US" smtClean="0"/>
-              <a:t>10/8/2017</a:t>
+              <a:t>4/20/2018</a:t>
             </a:fld>
             <a:endParaRPr lang="en-US"/>
           </a:p>
@@ -11035,8 +11035,8 @@
           </a:graphicData>
         </a:graphic>
       </p:graphicFrame>
-      <mc:AlternateContent xmlns:mc="http://schemas.openxmlformats.org/markup-compatibility/2006">
-        <mc:Choice xmlns:p14="http://schemas.microsoft.com/office/powerpoint/2010/main" Requires="p14">
+      <mc:AlternateContent xmlns:mc="http://schemas.openxmlformats.org/markup-compatibility/2006" xmlns:p14="http://schemas.microsoft.com/office/powerpoint/2010/main">
+        <mc:Choice Requires="p14">
           <p:contentPart p14:bwMode="auto" r:id="rId4">
             <p14:nvContentPartPr>
               <p14:cNvPr id="3" name="Ink 2">
@@ -11055,7 +11055,7 @@
             </p14:xfrm>
           </p:contentPart>
         </mc:Choice>
-        <mc:Fallback>
+        <mc:Fallback xmlns="">
           <p:pic>
             <p:nvPicPr>
               <p:cNvPr id="3" name="Ink 2">
@@ -11086,6 +11086,236 @@
           </p:pic>
         </mc:Fallback>
       </mc:AlternateContent>
+      <p:sp>
+        <p:nvSpPr>
+          <p:cNvPr id="6" name="矩形 5"/>
+          <p:cNvSpPr/>
+          <p:nvPr/>
+        </p:nvSpPr>
+        <p:spPr>
+          <a:xfrm>
+            <a:off x="671172" y="4911634"/>
+            <a:ext cx="994299" cy="653143"/>
+          </a:xfrm>
+          <a:prstGeom prst="rect">
+            <a:avLst/>
+          </a:prstGeom>
+          <a:noFill/>
+          <a:ln w="25400">
+            <a:solidFill>
+              <a:srgbClr val="FF0000"/>
+            </a:solidFill>
+          </a:ln>
+        </p:spPr>
+        <p:style>
+          <a:lnRef idx="2">
+            <a:schemeClr val="accent1">
+              <a:shade val="50000"/>
+            </a:schemeClr>
+          </a:lnRef>
+          <a:fillRef idx="1">
+            <a:schemeClr val="accent1"/>
+          </a:fillRef>
+          <a:effectRef idx="0">
+            <a:schemeClr val="accent1"/>
+          </a:effectRef>
+          <a:fontRef idx="minor">
+            <a:schemeClr val="lt1"/>
+          </a:fontRef>
+        </p:style>
+        <p:txBody>
+          <a:bodyPr rtlCol="0" anchor="ctr"/>
+          <a:lstStyle/>
+          <a:p>
+            <a:pPr algn="ctr"/>
+            <a:endParaRPr lang="zh-CN" altLang="en-US"/>
+          </a:p>
+        </p:txBody>
+      </p:sp>
+      <p:sp>
+        <p:nvSpPr>
+          <p:cNvPr id="109" name="矩形 108"/>
+          <p:cNvSpPr/>
+          <p:nvPr/>
+        </p:nvSpPr>
+        <p:spPr>
+          <a:xfrm>
+            <a:off x="2973825" y="4899255"/>
+            <a:ext cx="994299" cy="653143"/>
+          </a:xfrm>
+          <a:prstGeom prst="rect">
+            <a:avLst/>
+          </a:prstGeom>
+          <a:noFill/>
+          <a:ln w="25400">
+            <a:solidFill>
+              <a:srgbClr val="FF0000"/>
+            </a:solidFill>
+          </a:ln>
+        </p:spPr>
+        <p:style>
+          <a:lnRef idx="2">
+            <a:schemeClr val="accent1">
+              <a:shade val="50000"/>
+            </a:schemeClr>
+          </a:lnRef>
+          <a:fillRef idx="1">
+            <a:schemeClr val="accent1"/>
+          </a:fillRef>
+          <a:effectRef idx="0">
+            <a:schemeClr val="accent1"/>
+          </a:effectRef>
+          <a:fontRef idx="minor">
+            <a:schemeClr val="lt1"/>
+          </a:fontRef>
+        </p:style>
+        <p:txBody>
+          <a:bodyPr rtlCol="0" anchor="ctr"/>
+          <a:lstStyle/>
+          <a:p>
+            <a:pPr algn="ctr"/>
+            <a:endParaRPr lang="zh-CN" altLang="en-US"/>
+          </a:p>
+        </p:txBody>
+      </p:sp>
+      <p:sp>
+        <p:nvSpPr>
+          <p:cNvPr id="110" name="矩形 109"/>
+          <p:cNvSpPr/>
+          <p:nvPr/>
+        </p:nvSpPr>
+        <p:spPr>
+          <a:xfrm>
+            <a:off x="4943530" y="5029884"/>
+            <a:ext cx="5954750" cy="1174973"/>
+          </a:xfrm>
+          <a:prstGeom prst="rect">
+            <a:avLst/>
+          </a:prstGeom>
+          <a:noFill/>
+          <a:ln w="25400">
+            <a:solidFill>
+              <a:srgbClr val="FF0000"/>
+            </a:solidFill>
+          </a:ln>
+        </p:spPr>
+        <p:style>
+          <a:lnRef idx="2">
+            <a:schemeClr val="accent1">
+              <a:shade val="50000"/>
+            </a:schemeClr>
+          </a:lnRef>
+          <a:fillRef idx="1">
+            <a:schemeClr val="accent1"/>
+          </a:fillRef>
+          <a:effectRef idx="0">
+            <a:schemeClr val="accent1"/>
+          </a:effectRef>
+          <a:fontRef idx="minor">
+            <a:schemeClr val="lt1"/>
+          </a:fontRef>
+        </p:style>
+        <p:txBody>
+          <a:bodyPr rtlCol="0" anchor="ctr"/>
+          <a:lstStyle/>
+          <a:p>
+            <a:pPr algn="ctr"/>
+            <a:endParaRPr lang="zh-CN" altLang="en-US"/>
+          </a:p>
+        </p:txBody>
+      </p:sp>
+      <p:sp>
+        <p:nvSpPr>
+          <p:cNvPr id="111" name="矩形 110"/>
+          <p:cNvSpPr/>
+          <p:nvPr/>
+        </p:nvSpPr>
+        <p:spPr>
+          <a:xfrm>
+            <a:off x="696562" y="5673498"/>
+            <a:ext cx="1448014" cy="653143"/>
+          </a:xfrm>
+          <a:prstGeom prst="rect">
+            <a:avLst/>
+          </a:prstGeom>
+          <a:noFill/>
+          <a:ln w="25400">
+            <a:solidFill>
+              <a:srgbClr val="FF0000"/>
+            </a:solidFill>
+          </a:ln>
+        </p:spPr>
+        <p:style>
+          <a:lnRef idx="2">
+            <a:schemeClr val="accent1">
+              <a:shade val="50000"/>
+            </a:schemeClr>
+          </a:lnRef>
+          <a:fillRef idx="1">
+            <a:schemeClr val="accent1"/>
+          </a:fillRef>
+          <a:effectRef idx="0">
+            <a:schemeClr val="accent1"/>
+          </a:effectRef>
+          <a:fontRef idx="minor">
+            <a:schemeClr val="lt1"/>
+          </a:fontRef>
+        </p:style>
+        <p:txBody>
+          <a:bodyPr rtlCol="0" anchor="ctr"/>
+          <a:lstStyle/>
+          <a:p>
+            <a:pPr algn="ctr"/>
+            <a:endParaRPr lang="zh-CN" altLang="en-US"/>
+          </a:p>
+        </p:txBody>
+      </p:sp>
+      <p:sp>
+        <p:nvSpPr>
+          <p:cNvPr id="112" name="矩形 111"/>
+          <p:cNvSpPr/>
+          <p:nvPr/>
+        </p:nvSpPr>
+        <p:spPr>
+          <a:xfrm>
+            <a:off x="2813471" y="5621588"/>
+            <a:ext cx="1448014" cy="653143"/>
+          </a:xfrm>
+          <a:prstGeom prst="rect">
+            <a:avLst/>
+          </a:prstGeom>
+          <a:noFill/>
+          <a:ln w="25400">
+            <a:solidFill>
+              <a:srgbClr val="FF0000"/>
+            </a:solidFill>
+          </a:ln>
+        </p:spPr>
+        <p:style>
+          <a:lnRef idx="2">
+            <a:schemeClr val="accent1">
+              <a:shade val="50000"/>
+            </a:schemeClr>
+          </a:lnRef>
+          <a:fillRef idx="1">
+            <a:schemeClr val="accent1"/>
+          </a:fillRef>
+          <a:effectRef idx="0">
+            <a:schemeClr val="accent1"/>
+          </a:effectRef>
+          <a:fontRef idx="minor">
+            <a:schemeClr val="lt1"/>
+          </a:fontRef>
+        </p:style>
+        <p:txBody>
+          <a:bodyPr rtlCol="0" anchor="ctr"/>
+          <a:lstStyle/>
+          <a:p>
+            <a:pPr algn="ctr"/>
+            <a:endParaRPr lang="zh-CN" altLang="en-US"/>
+          </a:p>
+        </p:txBody>
+      </p:sp>
     </p:spTree>
     <p:extLst>
       <p:ext uri="{BB962C8B-B14F-4D97-AF65-F5344CB8AC3E}">
@@ -12758,8 +12988,8 @@
           </mc:Fallback>
         </mc:AlternateContent>
       </p:grpSp>
-      <mc:AlternateContent xmlns:mc="http://schemas.openxmlformats.org/markup-compatibility/2006">
-        <mc:Choice xmlns:p14="http://schemas.microsoft.com/office/powerpoint/2010/main" Requires="p14">
+      <mc:AlternateContent xmlns:mc="http://schemas.openxmlformats.org/markup-compatibility/2006" xmlns:p14="http://schemas.microsoft.com/office/powerpoint/2010/main">
+        <mc:Choice Requires="p14">
           <p:contentPart p14:bwMode="auto" r:id="rId8">
             <p14:nvContentPartPr>
               <p14:cNvPr id="6" name="Ink 5">
@@ -12778,7 +13008,7 @@
             </p14:xfrm>
           </p:contentPart>
         </mc:Choice>
-        <mc:Fallback>
+        <mc:Fallback xmlns="">
           <p:pic>
             <p:nvPicPr>
               <p:cNvPr id="6" name="Ink 5">
@@ -16388,8 +16618,8 @@
           </a:graphicData>
         </a:graphic>
       </p:graphicFrame>
-      <mc:AlternateContent xmlns:mc="http://schemas.openxmlformats.org/markup-compatibility/2006">
-        <mc:Choice xmlns:p14="http://schemas.microsoft.com/office/powerpoint/2010/main" Requires="p14">
+      <mc:AlternateContent xmlns:mc="http://schemas.openxmlformats.org/markup-compatibility/2006" xmlns:p14="http://schemas.microsoft.com/office/powerpoint/2010/main">
+        <mc:Choice Requires="p14">
           <p:contentPart p14:bwMode="auto" r:id="rId3">
             <p14:nvContentPartPr>
               <p14:cNvPr id="5" name="Ink 4">
@@ -16408,7 +16638,7 @@
             </p14:xfrm>
           </p:contentPart>
         </mc:Choice>
-        <mc:Fallback>
+        <mc:Fallback xmlns="">
           <p:pic>
             <p:nvPicPr>
               <p:cNvPr id="5" name="Ink 4">
